--- a/maquette/Attribution des places de parking.pptx
+++ b/maquette/Attribution des places de parking.pptx
@@ -8,10 +8,10 @@
     <p:sldId id="256" r:id="rId2"/>
     <p:sldId id="257" r:id="rId3"/>
     <p:sldId id="258" r:id="rId4"/>
-    <p:sldId id="263" r:id="rId5"/>
-    <p:sldId id="259" r:id="rId6"/>
-    <p:sldId id="260" r:id="rId7"/>
-    <p:sldId id="261" r:id="rId8"/>
+    <p:sldId id="261" r:id="rId5"/>
+    <p:sldId id="263" r:id="rId6"/>
+    <p:sldId id="259" r:id="rId7"/>
+    <p:sldId id="260" r:id="rId8"/>
     <p:sldId id="262" r:id="rId9"/>
     <p:sldId id="264" r:id="rId10"/>
   </p:sldIdLst>
@@ -10384,7 +10384,7 @@
           <a:p>
             <a:fld id="{C6428AAD-274D-43C8-A645-408DA2E90684}" type="datetimeFigureOut">
               <a:rPr lang="fr-FR" smtClean="0"/>
-              <a:t>26/09/2018</a:t>
+              <a:t>28/09/2018</a:t>
             </a:fld>
             <a:endParaRPr lang="fr-FR"/>
           </a:p>
@@ -10456,7 +10456,7 @@
           <a:p>
             <a:fld id="{8D313757-5B57-4151-A971-17F3423A5DDE}" type="slidenum">
               <a:rPr lang="fr-FR" smtClean="0"/>
-              <a:t>‹#›</a:t>
+              <a:t>‹N°›</a:t>
             </a:fld>
             <a:endParaRPr lang="fr-FR"/>
           </a:p>
@@ -10627,7 +10627,7 @@
           <a:p>
             <a:fld id="{C6428AAD-274D-43C8-A645-408DA2E90684}" type="datetimeFigureOut">
               <a:rPr lang="fr-FR" smtClean="0"/>
-              <a:t>26/09/2018</a:t>
+              <a:t>28/09/2018</a:t>
             </a:fld>
             <a:endParaRPr lang="fr-FR"/>
           </a:p>
@@ -10669,7 +10669,7 @@
           <a:p>
             <a:fld id="{8D313757-5B57-4151-A971-17F3423A5DDE}" type="slidenum">
               <a:rPr lang="fr-FR" smtClean="0"/>
-              <a:t>‹#›</a:t>
+              <a:t>‹N°›</a:t>
             </a:fld>
             <a:endParaRPr lang="fr-FR"/>
           </a:p>
@@ -10807,7 +10807,7 @@
           <a:p>
             <a:fld id="{C6428AAD-274D-43C8-A645-408DA2E90684}" type="datetimeFigureOut">
               <a:rPr lang="fr-FR" smtClean="0"/>
-              <a:t>26/09/2018</a:t>
+              <a:t>28/09/2018</a:t>
             </a:fld>
             <a:endParaRPr lang="fr-FR"/>
           </a:p>
@@ -10849,7 +10849,7 @@
           <a:p>
             <a:fld id="{8D313757-5B57-4151-A971-17F3423A5DDE}" type="slidenum">
               <a:rPr lang="fr-FR" smtClean="0"/>
-              <a:t>‹#›</a:t>
+              <a:t>‹N°›</a:t>
             </a:fld>
             <a:endParaRPr lang="fr-FR"/>
           </a:p>
@@ -10977,7 +10977,7 @@
           <a:p>
             <a:fld id="{C6428AAD-274D-43C8-A645-408DA2E90684}" type="datetimeFigureOut">
               <a:rPr lang="fr-FR" smtClean="0"/>
-              <a:t>26/09/2018</a:t>
+              <a:t>28/09/2018</a:t>
             </a:fld>
             <a:endParaRPr lang="fr-FR"/>
           </a:p>
@@ -11019,7 +11019,7 @@
           <a:p>
             <a:fld id="{8D313757-5B57-4151-A971-17F3423A5DDE}" type="slidenum">
               <a:rPr lang="fr-FR" smtClean="0"/>
-              <a:t>‹#›</a:t>
+              <a:t>‹N°›</a:t>
             </a:fld>
             <a:endParaRPr lang="fr-FR"/>
           </a:p>
@@ -11253,7 +11253,7 @@
           <a:p>
             <a:fld id="{C6428AAD-274D-43C8-A645-408DA2E90684}" type="datetimeFigureOut">
               <a:rPr lang="fr-FR" smtClean="0"/>
-              <a:t>26/09/2018</a:t>
+              <a:t>28/09/2018</a:t>
             </a:fld>
             <a:endParaRPr lang="fr-FR"/>
           </a:p>
@@ -11321,7 +11321,7 @@
           <a:p>
             <a:fld id="{8D313757-5B57-4151-A971-17F3423A5DDE}" type="slidenum">
               <a:rPr lang="fr-FR" smtClean="0"/>
-              <a:t>‹#›</a:t>
+              <a:t>‹N°›</a:t>
             </a:fld>
             <a:endParaRPr lang="fr-FR"/>
           </a:p>
@@ -12454,7 +12454,7 @@
           <a:p>
             <a:fld id="{C6428AAD-274D-43C8-A645-408DA2E90684}" type="datetimeFigureOut">
               <a:rPr lang="fr-FR" smtClean="0"/>
-              <a:t>26/09/2018</a:t>
+              <a:t>28/09/2018</a:t>
             </a:fld>
             <a:endParaRPr lang="fr-FR"/>
           </a:p>
@@ -12496,7 +12496,7 @@
           <a:p>
             <a:fld id="{8D313757-5B57-4151-A971-17F3423A5DDE}" type="slidenum">
               <a:rPr lang="fr-FR" smtClean="0"/>
-              <a:t>‹#›</a:t>
+              <a:t>‹N°›</a:t>
             </a:fld>
             <a:endParaRPr lang="fr-FR"/>
           </a:p>
@@ -12844,7 +12844,7 @@
           <a:p>
             <a:fld id="{C6428AAD-274D-43C8-A645-408DA2E90684}" type="datetimeFigureOut">
               <a:rPr lang="fr-FR" smtClean="0"/>
-              <a:t>26/09/2018</a:t>
+              <a:t>28/09/2018</a:t>
             </a:fld>
             <a:endParaRPr lang="fr-FR"/>
           </a:p>
@@ -12886,7 +12886,7 @@
           <a:p>
             <a:fld id="{8D313757-5B57-4151-A971-17F3423A5DDE}" type="slidenum">
               <a:rPr lang="fr-FR" smtClean="0"/>
-              <a:t>‹#›</a:t>
+              <a:t>‹N°›</a:t>
             </a:fld>
             <a:endParaRPr lang="fr-FR"/>
           </a:p>
@@ -12967,7 +12967,7 @@
           <a:p>
             <a:fld id="{C6428AAD-274D-43C8-A645-408DA2E90684}" type="datetimeFigureOut">
               <a:rPr lang="fr-FR" smtClean="0"/>
-              <a:t>26/09/2018</a:t>
+              <a:t>28/09/2018</a:t>
             </a:fld>
             <a:endParaRPr lang="fr-FR"/>
           </a:p>
@@ -13009,7 +13009,7 @@
           <a:p>
             <a:fld id="{8D313757-5B57-4151-A971-17F3423A5DDE}" type="slidenum">
               <a:rPr lang="fr-FR" smtClean="0"/>
-              <a:t>‹#›</a:t>
+              <a:t>‹N°›</a:t>
             </a:fld>
             <a:endParaRPr lang="fr-FR"/>
           </a:p>
@@ -13062,7 +13062,7 @@
           <a:p>
             <a:fld id="{C6428AAD-274D-43C8-A645-408DA2E90684}" type="datetimeFigureOut">
               <a:rPr lang="fr-FR" smtClean="0"/>
-              <a:t>26/09/2018</a:t>
+              <a:t>28/09/2018</a:t>
             </a:fld>
             <a:endParaRPr lang="fr-FR"/>
           </a:p>
@@ -13104,7 +13104,7 @@
           <a:p>
             <a:fld id="{8D313757-5B57-4151-A971-17F3423A5DDE}" type="slidenum">
               <a:rPr lang="fr-FR" smtClean="0"/>
-              <a:t>‹#›</a:t>
+              <a:t>‹N°›</a:t>
             </a:fld>
             <a:endParaRPr lang="fr-FR"/>
           </a:p>
@@ -13830,7 +13830,7 @@
           <a:p>
             <a:fld id="{C6428AAD-274D-43C8-A645-408DA2E90684}" type="datetimeFigureOut">
               <a:rPr lang="fr-FR" smtClean="0"/>
-              <a:t>26/09/2018</a:t>
+              <a:t>28/09/2018</a:t>
             </a:fld>
             <a:endParaRPr lang="fr-FR"/>
           </a:p>
@@ -13882,7 +13882,7 @@
           <a:p>
             <a:fld id="{8D313757-5B57-4151-A971-17F3423A5DDE}" type="slidenum">
               <a:rPr lang="fr-FR" smtClean="0"/>
-              <a:t>‹#›</a:t>
+              <a:t>‹N°›</a:t>
             </a:fld>
             <a:endParaRPr lang="fr-FR"/>
           </a:p>
@@ -14670,7 +14670,7 @@
           <a:p>
             <a:fld id="{C6428AAD-274D-43C8-A645-408DA2E90684}" type="datetimeFigureOut">
               <a:rPr lang="fr-FR" smtClean="0"/>
-              <a:t>26/09/2018</a:t>
+              <a:t>28/09/2018</a:t>
             </a:fld>
             <a:endParaRPr lang="fr-FR"/>
           </a:p>
@@ -14722,7 +14722,7 @@
           <a:p>
             <a:fld id="{8D313757-5B57-4151-A971-17F3423A5DDE}" type="slidenum">
               <a:rPr lang="fr-FR" smtClean="0"/>
-              <a:t>‹#›</a:t>
+              <a:t>‹N°›</a:t>
             </a:fld>
             <a:endParaRPr lang="fr-FR"/>
           </a:p>
@@ -14897,7 +14897,7 @@
           <a:p>
             <a:fld id="{C6428AAD-274D-43C8-A645-408DA2E90684}" type="datetimeFigureOut">
               <a:rPr lang="fr-FR" smtClean="0"/>
-              <a:t>26/09/2018</a:t>
+              <a:t>28/09/2018</a:t>
             </a:fld>
             <a:endParaRPr lang="fr-FR"/>
           </a:p>
@@ -14977,7 +14977,7 @@
           <a:p>
             <a:fld id="{8D313757-5B57-4151-A971-17F3423A5DDE}" type="slidenum">
               <a:rPr lang="fr-FR" smtClean="0"/>
-              <a:t>‹#›</a:t>
+              <a:t>‹N°›</a:t>
             </a:fld>
             <a:endParaRPr lang="fr-FR"/>
           </a:p>
@@ -16158,7 +16158,7 @@
                   <a:reflection blurRad="6350" stA="53000" endA="300" endPos="35500" dir="5400000" sy="-90000" algn="bl" rotWithShape="0"/>
                 </a:effectLst>
               </a:rPr>
-              <a:t>Présentation du projet 	   Répartition des tâches</a:t>
+              <a:t>Présentation du projet 	   MCD</a:t>
             </a:r>
           </a:p>
           <a:p>
@@ -16175,7 +16175,7 @@
                   <a:reflection blurRad="6350" stA="53000" endA="300" endPos="35500" dir="5400000" sy="-90000" algn="bl" rotWithShape="0"/>
                 </a:effectLst>
               </a:rPr>
-              <a:t>	 Planning		 	   Langages utilisés</a:t>
+              <a:t>	 Répartition des tâches	   Langages utilisés</a:t>
             </a:r>
           </a:p>
           <a:p>
@@ -16192,7 +16192,7 @@
                   <a:reflection blurRad="6350" stA="53000" endA="300" endPos="35500" dir="5400000" sy="-90000" algn="bl" rotWithShape="0"/>
                 </a:effectLst>
               </a:rPr>
-              <a:t>	 Maquette			   Conclusion</a:t>
+              <a:t>	 Planning			   Conclusion</a:t>
             </a:r>
           </a:p>
           <a:p>
@@ -16209,7 +16209,7 @@
                   <a:reflection blurRad="6350" stA="53000" endA="300" endPos="35500" dir="5400000" sy="-90000" algn="bl" rotWithShape="0"/>
                 </a:effectLst>
               </a:rPr>
-              <a:t>	 MCD	    </a:t>
+              <a:t>	 Maquette	    </a:t>
             </a:r>
           </a:p>
           <a:p>
@@ -16793,565 +16793,6 @@
           <p:cNvPr id="2" name="Title 1">
             <a:extLst>
               <a:ext uri="{FF2B5EF4-FFF2-40B4-BE49-F238E27FC236}">
-                <a16:creationId xmlns:a16="http://schemas.microsoft.com/office/drawing/2014/main" id="{51E19303-39C9-49E1-9B63-CB0E4873C9ED}"/>
-              </a:ext>
-            </a:extLst>
-          </p:cNvPr>
-          <p:cNvSpPr>
-            <a:spLocks noGrp="1"/>
-          </p:cNvSpPr>
-          <p:nvPr>
-            <p:ph type="title"/>
-          </p:nvPr>
-        </p:nvSpPr>
-        <p:spPr/>
-        <p:txBody>
-          <a:bodyPr/>
-          <a:lstStyle/>
-          <a:p>
-            <a:r>
-              <a:rPr lang="fr-FR" dirty="0"/>
-              <a:t>	    planning</a:t>
-            </a:r>
-          </a:p>
-        </p:txBody>
-      </p:sp>
-      <p:pic>
-        <p:nvPicPr>
-          <p:cNvPr id="5" name="Content Placeholder 4">
-            <a:extLst>
-              <a:ext uri="{FF2B5EF4-FFF2-40B4-BE49-F238E27FC236}">
-                <a16:creationId xmlns:a16="http://schemas.microsoft.com/office/drawing/2014/main" id="{F35E130C-74BD-4E85-B425-04336B91E7BA}"/>
-              </a:ext>
-            </a:extLst>
-          </p:cNvPr>
-          <p:cNvPicPr>
-            <a:picLocks noGrp="1" noChangeAspect="1"/>
-          </p:cNvPicPr>
-          <p:nvPr>
-            <p:ph idx="1"/>
-          </p:nvPr>
-        </p:nvPicPr>
-        <p:blipFill>
-          <a:blip r:embed="rId2">
-            <a:extLst>
-              <a:ext uri="{28A0092B-C50C-407E-A947-70E740481C1C}">
-                <a14:useLocalDpi xmlns:a14="http://schemas.microsoft.com/office/drawing/2010/main" val="0"/>
-              </a:ext>
-            </a:extLst>
-          </a:blip>
-          <a:stretch>
-            <a:fillRect/>
-          </a:stretch>
-        </p:blipFill>
-        <p:spPr>
-          <a:xfrm>
-            <a:off x="1404734" y="1179772"/>
-            <a:ext cx="9382531" cy="5491654"/>
-          </a:xfrm>
-        </p:spPr>
-      </p:pic>
-      <p:sp>
-        <p:nvSpPr>
-          <p:cNvPr id="6" name="Ribbon: Tilted Up 5">
-            <a:extLst>
-              <a:ext uri="{FF2B5EF4-FFF2-40B4-BE49-F238E27FC236}">
-                <a16:creationId xmlns:a16="http://schemas.microsoft.com/office/drawing/2014/main" id="{1CDD77C5-0943-43E6-BE97-28040998F954}"/>
-              </a:ext>
-            </a:extLst>
-          </p:cNvPr>
-          <p:cNvSpPr/>
-          <p:nvPr/>
-        </p:nvSpPr>
-        <p:spPr>
-          <a:xfrm>
-            <a:off x="1380204" y="458737"/>
-            <a:ext cx="1036950" cy="517873"/>
-          </a:xfrm>
-          <a:prstGeom prst="ribbon2">
-            <a:avLst/>
-          </a:prstGeom>
-        </p:spPr>
-        <p:style>
-          <a:lnRef idx="2">
-            <a:schemeClr val="accent1">
-              <a:shade val="50000"/>
-            </a:schemeClr>
-          </a:lnRef>
-          <a:fillRef idx="1">
-            <a:schemeClr val="accent1"/>
-          </a:fillRef>
-          <a:effectRef idx="0">
-            <a:schemeClr val="accent1"/>
-          </a:effectRef>
-          <a:fontRef idx="minor">
-            <a:schemeClr val="lt1"/>
-          </a:fontRef>
-        </p:style>
-        <p:txBody>
-          <a:bodyPr rtlCol="0" anchor="ctr"/>
-          <a:lstStyle/>
-          <a:p>
-            <a:pPr algn="ctr"/>
-            <a:r>
-              <a:rPr lang="fr-FR" sz="3200" dirty="0"/>
-              <a:t>2</a:t>
-            </a:r>
-          </a:p>
-        </p:txBody>
-      </p:sp>
-    </p:spTree>
-    <p:extLst>
-      <p:ext uri="{BB962C8B-B14F-4D97-AF65-F5344CB8AC3E}">
-        <p14:creationId xmlns:p14="http://schemas.microsoft.com/office/powerpoint/2010/main" val="2250849852"/>
-      </p:ext>
-    </p:extLst>
-  </p:cSld>
-  <p:clrMapOvr>
-    <a:masterClrMapping/>
-  </p:clrMapOvr>
-  <mc:AlternateContent xmlns:mc="http://schemas.openxmlformats.org/markup-compatibility/2006" xmlns:p15="http://schemas.microsoft.com/office/powerpoint/2012/main">
-    <mc:Choice Requires="p15">
-      <p:transition xmlns:p14="http://schemas.microsoft.com/office/powerpoint/2010/main" spd="slow" p14:dur="2000">
-        <p15:prstTrans prst="drape"/>
-      </p:transition>
-    </mc:Choice>
-    <mc:Fallback xmlns="">
-      <p:transition spd="slow">
-        <p:fade/>
-      </p:transition>
-    </mc:Fallback>
-  </mc:AlternateContent>
-</p:sld>
-</file>
-
-<file path=ppt/slides/slide5.xml><?xml version="1.0" encoding="utf-8"?>
-<p:sld xmlns:a="http://schemas.openxmlformats.org/drawingml/2006/main" xmlns:r="http://schemas.openxmlformats.org/officeDocument/2006/relationships" xmlns:p="http://schemas.openxmlformats.org/presentationml/2006/main">
-  <p:cSld>
-    <p:spTree>
-      <p:nvGrpSpPr>
-        <p:cNvPr id="1" name=""/>
-        <p:cNvGrpSpPr/>
-        <p:nvPr/>
-      </p:nvGrpSpPr>
-      <p:grpSpPr>
-        <a:xfrm>
-          <a:off x="0" y="0"/>
-          <a:ext cx="0" cy="0"/>
-          <a:chOff x="0" y="0"/>
-          <a:chExt cx="0" cy="0"/>
-        </a:xfrm>
-      </p:grpSpPr>
-      <p:sp>
-        <p:nvSpPr>
-          <p:cNvPr id="2" name="Title 1">
-            <a:extLst>
-              <a:ext uri="{FF2B5EF4-FFF2-40B4-BE49-F238E27FC236}">
-                <a16:creationId xmlns:a16="http://schemas.microsoft.com/office/drawing/2014/main" id="{A1CB2665-3E92-4E57-B0CD-2EE1B2626F92}"/>
-              </a:ext>
-            </a:extLst>
-          </p:cNvPr>
-          <p:cNvSpPr>
-            <a:spLocks noGrp="1"/>
-          </p:cNvSpPr>
-          <p:nvPr>
-            <p:ph type="title"/>
-          </p:nvPr>
-        </p:nvSpPr>
-        <p:spPr>
-          <a:xfrm>
-            <a:off x="8630915" y="410738"/>
-            <a:ext cx="3092115" cy="541762"/>
-          </a:xfrm>
-        </p:spPr>
-        <p:txBody>
-          <a:bodyPr>
-            <a:noAutofit/>
-          </a:bodyPr>
-          <a:lstStyle/>
-          <a:p>
-            <a:r>
-              <a:rPr lang="fr-FR" sz="3200" dirty="0"/>
-              <a:t>Maquette</a:t>
-            </a:r>
-          </a:p>
-        </p:txBody>
-      </p:sp>
-      <p:pic>
-        <p:nvPicPr>
-          <p:cNvPr id="6" name="Content Placeholder 5">
-            <a:extLst>
-              <a:ext uri="{FF2B5EF4-FFF2-40B4-BE49-F238E27FC236}">
-                <a16:creationId xmlns:a16="http://schemas.microsoft.com/office/drawing/2014/main" id="{037D09BD-4BF5-4E79-98FC-F4C65CEB47A5}"/>
-              </a:ext>
-            </a:extLst>
-          </p:cNvPr>
-          <p:cNvPicPr>
-            <a:picLocks noGrp="1" noChangeAspect="1"/>
-          </p:cNvPicPr>
-          <p:nvPr>
-            <p:ph idx="1"/>
-          </p:nvPr>
-        </p:nvPicPr>
-        <p:blipFill>
-          <a:blip r:embed="rId2">
-            <a:extLst>
-              <a:ext uri="{28A0092B-C50C-407E-A947-70E740481C1C}">
-                <a14:useLocalDpi xmlns:a14="http://schemas.microsoft.com/office/drawing/2010/main" val="0"/>
-              </a:ext>
-            </a:extLst>
-          </a:blip>
-          <a:stretch>
-            <a:fillRect/>
-          </a:stretch>
-        </p:blipFill>
-        <p:spPr>
-          <a:xfrm>
-            <a:off x="1075038" y="116304"/>
-            <a:ext cx="4707924" cy="6625391"/>
-          </a:xfrm>
-        </p:spPr>
-      </p:pic>
-      <p:sp>
-        <p:nvSpPr>
-          <p:cNvPr id="4" name="Text Placeholder 3">
-            <a:extLst>
-              <a:ext uri="{FF2B5EF4-FFF2-40B4-BE49-F238E27FC236}">
-                <a16:creationId xmlns:a16="http://schemas.microsoft.com/office/drawing/2014/main" id="{B2984584-1C26-4C2B-B70E-1D427516015E}"/>
-              </a:ext>
-            </a:extLst>
-          </p:cNvPr>
-          <p:cNvSpPr>
-            <a:spLocks noGrp="1"/>
-          </p:cNvSpPr>
-          <p:nvPr>
-            <p:ph type="body" sz="half" idx="2"/>
-          </p:nvPr>
-        </p:nvSpPr>
-        <p:spPr/>
-        <p:txBody>
-          <a:bodyPr/>
-          <a:lstStyle/>
-          <a:p>
-            <a:r>
-              <a:rPr lang="fr-FR" sz="2800" dirty="0"/>
-              <a:t>Logiciel :</a:t>
-            </a:r>
-          </a:p>
-          <a:p>
-            <a:r>
-              <a:rPr lang="fr-FR" sz="2800" dirty="0"/>
-              <a:t>- </a:t>
-            </a:r>
-            <a:r>
-              <a:rPr lang="fr-FR" sz="2800" dirty="0" err="1"/>
-              <a:t>Canva</a:t>
-            </a:r>
-            <a:endParaRPr lang="fr-FR" sz="2800" dirty="0"/>
-          </a:p>
-          <a:p>
-            <a:endParaRPr lang="fr-FR" dirty="0"/>
-          </a:p>
-        </p:txBody>
-      </p:sp>
-      <p:sp>
-        <p:nvSpPr>
-          <p:cNvPr id="7" name="Ribbon: Tilted Up 6">
-            <a:extLst>
-              <a:ext uri="{FF2B5EF4-FFF2-40B4-BE49-F238E27FC236}">
-                <a16:creationId xmlns:a16="http://schemas.microsoft.com/office/drawing/2014/main" id="{3E6E48FE-65FB-470A-9072-6CC0CD36A564}"/>
-              </a:ext>
-            </a:extLst>
-          </p:cNvPr>
-          <p:cNvSpPr/>
-          <p:nvPr/>
-        </p:nvSpPr>
-        <p:spPr>
-          <a:xfrm>
-            <a:off x="7886953" y="514304"/>
-            <a:ext cx="647404" cy="334630"/>
-          </a:xfrm>
-          <a:prstGeom prst="ribbon2">
-            <a:avLst/>
-          </a:prstGeom>
-        </p:spPr>
-        <p:style>
-          <a:lnRef idx="2">
-            <a:schemeClr val="accent1">
-              <a:shade val="50000"/>
-            </a:schemeClr>
-          </a:lnRef>
-          <a:fillRef idx="1">
-            <a:schemeClr val="accent1"/>
-          </a:fillRef>
-          <a:effectRef idx="0">
-            <a:schemeClr val="accent1"/>
-          </a:effectRef>
-          <a:fontRef idx="minor">
-            <a:schemeClr val="lt1"/>
-          </a:fontRef>
-        </p:style>
-        <p:txBody>
-          <a:bodyPr rtlCol="0" anchor="ctr"/>
-          <a:lstStyle/>
-          <a:p>
-            <a:pPr algn="ctr"/>
-            <a:r>
-              <a:rPr lang="fr-FR" sz="3200" dirty="0"/>
-              <a:t>3</a:t>
-            </a:r>
-          </a:p>
-        </p:txBody>
-      </p:sp>
-    </p:spTree>
-    <p:extLst>
-      <p:ext uri="{BB962C8B-B14F-4D97-AF65-F5344CB8AC3E}">
-        <p14:creationId xmlns:p14="http://schemas.microsoft.com/office/powerpoint/2010/main" val="3771034398"/>
-      </p:ext>
-    </p:extLst>
-  </p:cSld>
-  <p:clrMapOvr>
-    <a:masterClrMapping/>
-  </p:clrMapOvr>
-  <mc:AlternateContent xmlns:mc="http://schemas.openxmlformats.org/markup-compatibility/2006" xmlns:p15="http://schemas.microsoft.com/office/powerpoint/2012/main">
-    <mc:Choice Requires="p15">
-      <p:transition xmlns:p14="http://schemas.microsoft.com/office/powerpoint/2010/main" spd="slow" p14:dur="2000">
-        <p15:prstTrans prst="prestige"/>
-      </p:transition>
-    </mc:Choice>
-    <mc:Fallback xmlns="">
-      <p:transition spd="slow">
-        <p:fade/>
-      </p:transition>
-    </mc:Fallback>
-  </mc:AlternateContent>
-</p:sld>
-</file>
-
-<file path=ppt/slides/slide6.xml><?xml version="1.0" encoding="utf-8"?>
-<p:sld xmlns:a="http://schemas.openxmlformats.org/drawingml/2006/main" xmlns:r="http://schemas.openxmlformats.org/officeDocument/2006/relationships" xmlns:p="http://schemas.openxmlformats.org/presentationml/2006/main">
-  <p:cSld>
-    <p:spTree>
-      <p:nvGrpSpPr>
-        <p:cNvPr id="1" name=""/>
-        <p:cNvGrpSpPr/>
-        <p:nvPr/>
-      </p:nvGrpSpPr>
-      <p:grpSpPr>
-        <a:xfrm>
-          <a:off x="0" y="0"/>
-          <a:ext cx="0" cy="0"/>
-          <a:chOff x="0" y="0"/>
-          <a:chExt cx="0" cy="0"/>
-        </a:xfrm>
-      </p:grpSpPr>
-      <p:sp>
-        <p:nvSpPr>
-          <p:cNvPr id="2" name="Title 1">
-            <a:extLst>
-              <a:ext uri="{FF2B5EF4-FFF2-40B4-BE49-F238E27FC236}">
-                <a16:creationId xmlns:a16="http://schemas.microsoft.com/office/drawing/2014/main" id="{FC0C9C27-ADED-44AA-8535-6F3101735D17}"/>
-              </a:ext>
-            </a:extLst>
-          </p:cNvPr>
-          <p:cNvSpPr>
-            <a:spLocks noGrp="1"/>
-          </p:cNvSpPr>
-          <p:nvPr>
-            <p:ph type="title"/>
-          </p:nvPr>
-        </p:nvSpPr>
-        <p:spPr>
-          <a:xfrm>
-            <a:off x="8944434" y="569692"/>
-            <a:ext cx="3092115" cy="701370"/>
-          </a:xfrm>
-        </p:spPr>
-        <p:txBody>
-          <a:bodyPr>
-            <a:normAutofit/>
-          </a:bodyPr>
-          <a:lstStyle/>
-          <a:p>
-            <a:r>
-              <a:rPr lang="fr-FR" sz="3200" dirty="0"/>
-              <a:t>MCD</a:t>
-            </a:r>
-          </a:p>
-        </p:txBody>
-      </p:sp>
-      <p:pic>
-        <p:nvPicPr>
-          <p:cNvPr id="7" name="Content Placeholder 6">
-            <a:extLst>
-              <a:ext uri="{FF2B5EF4-FFF2-40B4-BE49-F238E27FC236}">
-                <a16:creationId xmlns:a16="http://schemas.microsoft.com/office/drawing/2014/main" id="{99F6043C-D8C2-4510-A588-9999669BFA72}"/>
-              </a:ext>
-            </a:extLst>
-          </p:cNvPr>
-          <p:cNvPicPr>
-            <a:picLocks noGrp="1" noChangeAspect="1"/>
-          </p:cNvPicPr>
-          <p:nvPr>
-            <p:ph idx="1"/>
-          </p:nvPr>
-        </p:nvPicPr>
-        <p:blipFill>
-          <a:blip r:embed="rId2">
-            <a:extLst>
-              <a:ext uri="{28A0092B-C50C-407E-A947-70E740481C1C}">
-                <a14:useLocalDpi xmlns:a14="http://schemas.microsoft.com/office/drawing/2010/main" val="0"/>
-              </a:ext>
-            </a:extLst>
-          </a:blip>
-          <a:stretch>
-            <a:fillRect/>
-          </a:stretch>
-        </p:blipFill>
-        <p:spPr>
-          <a:xfrm>
-            <a:off x="762000" y="500088"/>
-            <a:ext cx="6492582" cy="6136381"/>
-          </a:xfrm>
-        </p:spPr>
-      </p:pic>
-      <p:sp>
-        <p:nvSpPr>
-          <p:cNvPr id="4" name="Text Placeholder 3">
-            <a:extLst>
-              <a:ext uri="{FF2B5EF4-FFF2-40B4-BE49-F238E27FC236}">
-                <a16:creationId xmlns:a16="http://schemas.microsoft.com/office/drawing/2014/main" id="{BB8FD1E1-B85E-497C-B343-E4DCC604858C}"/>
-              </a:ext>
-            </a:extLst>
-          </p:cNvPr>
-          <p:cNvSpPr>
-            <a:spLocks noGrp="1"/>
-          </p:cNvSpPr>
-          <p:nvPr>
-            <p:ph type="body" sz="half" idx="2"/>
-          </p:nvPr>
-        </p:nvSpPr>
-        <p:spPr/>
-        <p:txBody>
-          <a:bodyPr>
-            <a:normAutofit/>
-          </a:bodyPr>
-          <a:lstStyle/>
-          <a:p>
-            <a:r>
-              <a:rPr lang="fr-FR" sz="2400" dirty="0"/>
-              <a:t>Logiciel :</a:t>
-            </a:r>
-          </a:p>
-          <a:p>
-            <a:r>
-              <a:rPr lang="fr-FR" sz="2400" dirty="0"/>
-              <a:t>- </a:t>
-            </a:r>
-            <a:r>
-              <a:rPr lang="fr-FR" sz="2400" dirty="0" err="1"/>
-              <a:t>Mocodo</a:t>
-            </a:r>
-            <a:endParaRPr lang="fr-FR" sz="2400" dirty="0"/>
-          </a:p>
-        </p:txBody>
-      </p:sp>
-      <p:sp>
-        <p:nvSpPr>
-          <p:cNvPr id="5" name="Ribbon: Tilted Up 4">
-            <a:extLst>
-              <a:ext uri="{FF2B5EF4-FFF2-40B4-BE49-F238E27FC236}">
-                <a16:creationId xmlns:a16="http://schemas.microsoft.com/office/drawing/2014/main" id="{CE737CDD-F8A4-468C-97E6-E2B2511093A3}"/>
-              </a:ext>
-            </a:extLst>
-          </p:cNvPr>
-          <p:cNvSpPr/>
-          <p:nvPr/>
-        </p:nvSpPr>
-        <p:spPr>
-          <a:xfrm>
-            <a:off x="7987647" y="758395"/>
-            <a:ext cx="700476" cy="388210"/>
-          </a:xfrm>
-          <a:prstGeom prst="ribbon2">
-            <a:avLst/>
-          </a:prstGeom>
-        </p:spPr>
-        <p:style>
-          <a:lnRef idx="2">
-            <a:schemeClr val="accent1">
-              <a:shade val="50000"/>
-            </a:schemeClr>
-          </a:lnRef>
-          <a:fillRef idx="1">
-            <a:schemeClr val="accent1"/>
-          </a:fillRef>
-          <a:effectRef idx="0">
-            <a:schemeClr val="accent1"/>
-          </a:effectRef>
-          <a:fontRef idx="minor">
-            <a:schemeClr val="lt1"/>
-          </a:fontRef>
-        </p:style>
-        <p:txBody>
-          <a:bodyPr rtlCol="0" anchor="ctr"/>
-          <a:lstStyle/>
-          <a:p>
-            <a:pPr algn="ctr"/>
-            <a:r>
-              <a:rPr lang="fr-FR" sz="3200" dirty="0"/>
-              <a:t>4</a:t>
-            </a:r>
-          </a:p>
-        </p:txBody>
-      </p:sp>
-    </p:spTree>
-    <p:extLst>
-      <p:ext uri="{BB962C8B-B14F-4D97-AF65-F5344CB8AC3E}">
-        <p14:creationId xmlns:p14="http://schemas.microsoft.com/office/powerpoint/2010/main" val="2609979086"/>
-      </p:ext>
-    </p:extLst>
-  </p:cSld>
-  <p:clrMapOvr>
-    <a:masterClrMapping/>
-  </p:clrMapOvr>
-  <mc:AlternateContent xmlns:mc="http://schemas.openxmlformats.org/markup-compatibility/2006" xmlns:p15="http://schemas.microsoft.com/office/powerpoint/2012/main">
-    <mc:Choice Requires="p15">
-      <p:transition xmlns:p14="http://schemas.microsoft.com/office/powerpoint/2010/main" spd="slow" p14:dur="1250">
-        <p15:prstTrans prst="pageCurlDouble"/>
-      </p:transition>
-    </mc:Choice>
-    <mc:Fallback xmlns="">
-      <p:transition spd="slow">
-        <p:fade/>
-      </p:transition>
-    </mc:Fallback>
-  </mc:AlternateContent>
-</p:sld>
-</file>
-
-<file path=ppt/slides/slide7.xml><?xml version="1.0" encoding="utf-8"?>
-<p:sld xmlns:a="http://schemas.openxmlformats.org/drawingml/2006/main" xmlns:r="http://schemas.openxmlformats.org/officeDocument/2006/relationships" xmlns:p="http://schemas.openxmlformats.org/presentationml/2006/main">
-  <p:cSld>
-    <p:spTree>
-      <p:nvGrpSpPr>
-        <p:cNvPr id="1" name=""/>
-        <p:cNvGrpSpPr/>
-        <p:nvPr/>
-      </p:nvGrpSpPr>
-      <p:grpSpPr>
-        <a:xfrm>
-          <a:off x="0" y="0"/>
-          <a:ext cx="0" cy="0"/>
-          <a:chOff x="0" y="0"/>
-          <a:chExt cx="0" cy="0"/>
-        </a:xfrm>
-      </p:grpSpPr>
-      <p:sp>
-        <p:nvSpPr>
-          <p:cNvPr id="2" name="Title 1">
-            <a:extLst>
-              <a:ext uri="{FF2B5EF4-FFF2-40B4-BE49-F238E27FC236}">
                 <a16:creationId xmlns:a16="http://schemas.microsoft.com/office/drawing/2014/main" id="{A27D5E58-41E4-419E-9DED-330D07883BDD}"/>
               </a:ext>
             </a:extLst>
@@ -17569,7 +17010,7 @@
             <a:pPr algn="ctr"/>
             <a:r>
               <a:rPr lang="fr-FR" sz="3200" dirty="0"/>
-              <a:t>5</a:t>
+              <a:t>2</a:t>
             </a:r>
           </a:p>
         </p:txBody>
@@ -17588,6 +17029,565 @@
     <mc:Choice Requires="p14">
       <p:transition spd="slow" p14:dur="3000">
         <p14:shred/>
+      </p:transition>
+    </mc:Choice>
+    <mc:Fallback xmlns="">
+      <p:transition spd="slow">
+        <p:fade/>
+      </p:transition>
+    </mc:Fallback>
+  </mc:AlternateContent>
+</p:sld>
+</file>
+
+<file path=ppt/slides/slide5.xml><?xml version="1.0" encoding="utf-8"?>
+<p:sld xmlns:a="http://schemas.openxmlformats.org/drawingml/2006/main" xmlns:r="http://schemas.openxmlformats.org/officeDocument/2006/relationships" xmlns:p="http://schemas.openxmlformats.org/presentationml/2006/main">
+  <p:cSld>
+    <p:spTree>
+      <p:nvGrpSpPr>
+        <p:cNvPr id="1" name=""/>
+        <p:cNvGrpSpPr/>
+        <p:nvPr/>
+      </p:nvGrpSpPr>
+      <p:grpSpPr>
+        <a:xfrm>
+          <a:off x="0" y="0"/>
+          <a:ext cx="0" cy="0"/>
+          <a:chOff x="0" y="0"/>
+          <a:chExt cx="0" cy="0"/>
+        </a:xfrm>
+      </p:grpSpPr>
+      <p:sp>
+        <p:nvSpPr>
+          <p:cNvPr id="2" name="Title 1">
+            <a:extLst>
+              <a:ext uri="{FF2B5EF4-FFF2-40B4-BE49-F238E27FC236}">
+                <a16:creationId xmlns:a16="http://schemas.microsoft.com/office/drawing/2014/main" id="{51E19303-39C9-49E1-9B63-CB0E4873C9ED}"/>
+              </a:ext>
+            </a:extLst>
+          </p:cNvPr>
+          <p:cNvSpPr>
+            <a:spLocks noGrp="1"/>
+          </p:cNvSpPr>
+          <p:nvPr>
+            <p:ph type="title"/>
+          </p:nvPr>
+        </p:nvSpPr>
+        <p:spPr/>
+        <p:txBody>
+          <a:bodyPr/>
+          <a:lstStyle/>
+          <a:p>
+            <a:r>
+              <a:rPr lang="fr-FR" dirty="0"/>
+              <a:t>	    planning</a:t>
+            </a:r>
+          </a:p>
+        </p:txBody>
+      </p:sp>
+      <p:pic>
+        <p:nvPicPr>
+          <p:cNvPr id="5" name="Content Placeholder 4">
+            <a:extLst>
+              <a:ext uri="{FF2B5EF4-FFF2-40B4-BE49-F238E27FC236}">
+                <a16:creationId xmlns:a16="http://schemas.microsoft.com/office/drawing/2014/main" id="{F35E130C-74BD-4E85-B425-04336B91E7BA}"/>
+              </a:ext>
+            </a:extLst>
+          </p:cNvPr>
+          <p:cNvPicPr>
+            <a:picLocks noGrp="1" noChangeAspect="1"/>
+          </p:cNvPicPr>
+          <p:nvPr>
+            <p:ph idx="1"/>
+          </p:nvPr>
+        </p:nvPicPr>
+        <p:blipFill>
+          <a:blip r:embed="rId2">
+            <a:extLst>
+              <a:ext uri="{28A0092B-C50C-407E-A947-70E740481C1C}">
+                <a14:useLocalDpi xmlns:a14="http://schemas.microsoft.com/office/drawing/2010/main" val="0"/>
+              </a:ext>
+            </a:extLst>
+          </a:blip>
+          <a:stretch>
+            <a:fillRect/>
+          </a:stretch>
+        </p:blipFill>
+        <p:spPr>
+          <a:xfrm>
+            <a:off x="1404734" y="1179772"/>
+            <a:ext cx="9382531" cy="5491654"/>
+          </a:xfrm>
+        </p:spPr>
+      </p:pic>
+      <p:sp>
+        <p:nvSpPr>
+          <p:cNvPr id="6" name="Ribbon: Tilted Up 5">
+            <a:extLst>
+              <a:ext uri="{FF2B5EF4-FFF2-40B4-BE49-F238E27FC236}">
+                <a16:creationId xmlns:a16="http://schemas.microsoft.com/office/drawing/2014/main" id="{1CDD77C5-0943-43E6-BE97-28040998F954}"/>
+              </a:ext>
+            </a:extLst>
+          </p:cNvPr>
+          <p:cNvSpPr/>
+          <p:nvPr/>
+        </p:nvSpPr>
+        <p:spPr>
+          <a:xfrm>
+            <a:off x="1380204" y="458737"/>
+            <a:ext cx="1036950" cy="517873"/>
+          </a:xfrm>
+          <a:prstGeom prst="ribbon2">
+            <a:avLst/>
+          </a:prstGeom>
+        </p:spPr>
+        <p:style>
+          <a:lnRef idx="2">
+            <a:schemeClr val="accent1">
+              <a:shade val="50000"/>
+            </a:schemeClr>
+          </a:lnRef>
+          <a:fillRef idx="1">
+            <a:schemeClr val="accent1"/>
+          </a:fillRef>
+          <a:effectRef idx="0">
+            <a:schemeClr val="accent1"/>
+          </a:effectRef>
+          <a:fontRef idx="minor">
+            <a:schemeClr val="lt1"/>
+          </a:fontRef>
+        </p:style>
+        <p:txBody>
+          <a:bodyPr rtlCol="0" anchor="ctr"/>
+          <a:lstStyle/>
+          <a:p>
+            <a:pPr algn="ctr"/>
+            <a:r>
+              <a:rPr lang="fr-FR" sz="3200" dirty="0"/>
+              <a:t>3</a:t>
+            </a:r>
+          </a:p>
+        </p:txBody>
+      </p:sp>
+    </p:spTree>
+    <p:extLst>
+      <p:ext uri="{BB962C8B-B14F-4D97-AF65-F5344CB8AC3E}">
+        <p14:creationId xmlns:p14="http://schemas.microsoft.com/office/powerpoint/2010/main" val="2250849852"/>
+      </p:ext>
+    </p:extLst>
+  </p:cSld>
+  <p:clrMapOvr>
+    <a:masterClrMapping/>
+  </p:clrMapOvr>
+  <mc:AlternateContent xmlns:mc="http://schemas.openxmlformats.org/markup-compatibility/2006" xmlns:p15="http://schemas.microsoft.com/office/powerpoint/2012/main">
+    <mc:Choice Requires="p15">
+      <p:transition xmlns:p14="http://schemas.microsoft.com/office/powerpoint/2010/main" spd="slow" p14:dur="2000">
+        <p15:prstTrans prst="drape"/>
+      </p:transition>
+    </mc:Choice>
+    <mc:Fallback xmlns="">
+      <p:transition spd="slow">
+        <p:fade/>
+      </p:transition>
+    </mc:Fallback>
+  </mc:AlternateContent>
+</p:sld>
+</file>
+
+<file path=ppt/slides/slide6.xml><?xml version="1.0" encoding="utf-8"?>
+<p:sld xmlns:a="http://schemas.openxmlformats.org/drawingml/2006/main" xmlns:r="http://schemas.openxmlformats.org/officeDocument/2006/relationships" xmlns:p="http://schemas.openxmlformats.org/presentationml/2006/main">
+  <p:cSld>
+    <p:spTree>
+      <p:nvGrpSpPr>
+        <p:cNvPr id="1" name=""/>
+        <p:cNvGrpSpPr/>
+        <p:nvPr/>
+      </p:nvGrpSpPr>
+      <p:grpSpPr>
+        <a:xfrm>
+          <a:off x="0" y="0"/>
+          <a:ext cx="0" cy="0"/>
+          <a:chOff x="0" y="0"/>
+          <a:chExt cx="0" cy="0"/>
+        </a:xfrm>
+      </p:grpSpPr>
+      <p:sp>
+        <p:nvSpPr>
+          <p:cNvPr id="2" name="Title 1">
+            <a:extLst>
+              <a:ext uri="{FF2B5EF4-FFF2-40B4-BE49-F238E27FC236}">
+                <a16:creationId xmlns:a16="http://schemas.microsoft.com/office/drawing/2014/main" id="{A1CB2665-3E92-4E57-B0CD-2EE1B2626F92}"/>
+              </a:ext>
+            </a:extLst>
+          </p:cNvPr>
+          <p:cNvSpPr>
+            <a:spLocks noGrp="1"/>
+          </p:cNvSpPr>
+          <p:nvPr>
+            <p:ph type="title"/>
+          </p:nvPr>
+        </p:nvSpPr>
+        <p:spPr>
+          <a:xfrm>
+            <a:off x="8630915" y="410738"/>
+            <a:ext cx="3092115" cy="541762"/>
+          </a:xfrm>
+        </p:spPr>
+        <p:txBody>
+          <a:bodyPr>
+            <a:noAutofit/>
+          </a:bodyPr>
+          <a:lstStyle/>
+          <a:p>
+            <a:r>
+              <a:rPr lang="fr-FR" sz="3200" dirty="0"/>
+              <a:t>Maquette</a:t>
+            </a:r>
+          </a:p>
+        </p:txBody>
+      </p:sp>
+      <p:pic>
+        <p:nvPicPr>
+          <p:cNvPr id="6" name="Content Placeholder 5">
+            <a:extLst>
+              <a:ext uri="{FF2B5EF4-FFF2-40B4-BE49-F238E27FC236}">
+                <a16:creationId xmlns:a16="http://schemas.microsoft.com/office/drawing/2014/main" id="{037D09BD-4BF5-4E79-98FC-F4C65CEB47A5}"/>
+              </a:ext>
+            </a:extLst>
+          </p:cNvPr>
+          <p:cNvPicPr>
+            <a:picLocks noGrp="1" noChangeAspect="1"/>
+          </p:cNvPicPr>
+          <p:nvPr>
+            <p:ph idx="1"/>
+          </p:nvPr>
+        </p:nvPicPr>
+        <p:blipFill>
+          <a:blip r:embed="rId2">
+            <a:extLst>
+              <a:ext uri="{28A0092B-C50C-407E-A947-70E740481C1C}">
+                <a14:useLocalDpi xmlns:a14="http://schemas.microsoft.com/office/drawing/2010/main" val="0"/>
+              </a:ext>
+            </a:extLst>
+          </a:blip>
+          <a:stretch>
+            <a:fillRect/>
+          </a:stretch>
+        </p:blipFill>
+        <p:spPr>
+          <a:xfrm>
+            <a:off x="1075038" y="116304"/>
+            <a:ext cx="4707924" cy="6625391"/>
+          </a:xfrm>
+        </p:spPr>
+      </p:pic>
+      <p:sp>
+        <p:nvSpPr>
+          <p:cNvPr id="4" name="Text Placeholder 3">
+            <a:extLst>
+              <a:ext uri="{FF2B5EF4-FFF2-40B4-BE49-F238E27FC236}">
+                <a16:creationId xmlns:a16="http://schemas.microsoft.com/office/drawing/2014/main" id="{B2984584-1C26-4C2B-B70E-1D427516015E}"/>
+              </a:ext>
+            </a:extLst>
+          </p:cNvPr>
+          <p:cNvSpPr>
+            <a:spLocks noGrp="1"/>
+          </p:cNvSpPr>
+          <p:nvPr>
+            <p:ph type="body" sz="half" idx="2"/>
+          </p:nvPr>
+        </p:nvSpPr>
+        <p:spPr/>
+        <p:txBody>
+          <a:bodyPr/>
+          <a:lstStyle/>
+          <a:p>
+            <a:r>
+              <a:rPr lang="fr-FR" sz="2800" dirty="0"/>
+              <a:t>Logiciel :</a:t>
+            </a:r>
+          </a:p>
+          <a:p>
+            <a:r>
+              <a:rPr lang="fr-FR" sz="2800" dirty="0"/>
+              <a:t>- </a:t>
+            </a:r>
+            <a:r>
+              <a:rPr lang="fr-FR" sz="2800" dirty="0" err="1"/>
+              <a:t>Canva</a:t>
+            </a:r>
+            <a:endParaRPr lang="fr-FR" sz="2800" dirty="0"/>
+          </a:p>
+          <a:p>
+            <a:endParaRPr lang="fr-FR" dirty="0"/>
+          </a:p>
+        </p:txBody>
+      </p:sp>
+      <p:sp>
+        <p:nvSpPr>
+          <p:cNvPr id="7" name="Ribbon: Tilted Up 6">
+            <a:extLst>
+              <a:ext uri="{FF2B5EF4-FFF2-40B4-BE49-F238E27FC236}">
+                <a16:creationId xmlns:a16="http://schemas.microsoft.com/office/drawing/2014/main" id="{3E6E48FE-65FB-470A-9072-6CC0CD36A564}"/>
+              </a:ext>
+            </a:extLst>
+          </p:cNvPr>
+          <p:cNvSpPr/>
+          <p:nvPr/>
+        </p:nvSpPr>
+        <p:spPr>
+          <a:xfrm>
+            <a:off x="7886953" y="514304"/>
+            <a:ext cx="647404" cy="334630"/>
+          </a:xfrm>
+          <a:prstGeom prst="ribbon2">
+            <a:avLst/>
+          </a:prstGeom>
+        </p:spPr>
+        <p:style>
+          <a:lnRef idx="2">
+            <a:schemeClr val="accent1">
+              <a:shade val="50000"/>
+            </a:schemeClr>
+          </a:lnRef>
+          <a:fillRef idx="1">
+            <a:schemeClr val="accent1"/>
+          </a:fillRef>
+          <a:effectRef idx="0">
+            <a:schemeClr val="accent1"/>
+          </a:effectRef>
+          <a:fontRef idx="minor">
+            <a:schemeClr val="lt1"/>
+          </a:fontRef>
+        </p:style>
+        <p:txBody>
+          <a:bodyPr rtlCol="0" anchor="ctr"/>
+          <a:lstStyle/>
+          <a:p>
+            <a:pPr algn="ctr"/>
+            <a:r>
+              <a:rPr lang="fr-FR" sz="3200" dirty="0"/>
+              <a:t>4</a:t>
+            </a:r>
+          </a:p>
+        </p:txBody>
+      </p:sp>
+    </p:spTree>
+    <p:extLst>
+      <p:ext uri="{BB962C8B-B14F-4D97-AF65-F5344CB8AC3E}">
+        <p14:creationId xmlns:p14="http://schemas.microsoft.com/office/powerpoint/2010/main" val="3771034398"/>
+      </p:ext>
+    </p:extLst>
+  </p:cSld>
+  <p:clrMapOvr>
+    <a:masterClrMapping/>
+  </p:clrMapOvr>
+  <mc:AlternateContent xmlns:mc="http://schemas.openxmlformats.org/markup-compatibility/2006" xmlns:p15="http://schemas.microsoft.com/office/powerpoint/2012/main">
+    <mc:Choice Requires="p15">
+      <p:transition xmlns:p14="http://schemas.microsoft.com/office/powerpoint/2010/main" spd="slow" p14:dur="2000">
+        <p15:prstTrans prst="prestige"/>
+      </p:transition>
+    </mc:Choice>
+    <mc:Fallback xmlns="">
+      <p:transition spd="slow">
+        <p:fade/>
+      </p:transition>
+    </mc:Fallback>
+  </mc:AlternateContent>
+</p:sld>
+</file>
+
+<file path=ppt/slides/slide7.xml><?xml version="1.0" encoding="utf-8"?>
+<p:sld xmlns:a="http://schemas.openxmlformats.org/drawingml/2006/main" xmlns:r="http://schemas.openxmlformats.org/officeDocument/2006/relationships" xmlns:p="http://schemas.openxmlformats.org/presentationml/2006/main">
+  <p:cSld>
+    <p:spTree>
+      <p:nvGrpSpPr>
+        <p:cNvPr id="1" name=""/>
+        <p:cNvGrpSpPr/>
+        <p:nvPr/>
+      </p:nvGrpSpPr>
+      <p:grpSpPr>
+        <a:xfrm>
+          <a:off x="0" y="0"/>
+          <a:ext cx="0" cy="0"/>
+          <a:chOff x="0" y="0"/>
+          <a:chExt cx="0" cy="0"/>
+        </a:xfrm>
+      </p:grpSpPr>
+      <p:sp>
+        <p:nvSpPr>
+          <p:cNvPr id="2" name="Title 1">
+            <a:extLst>
+              <a:ext uri="{FF2B5EF4-FFF2-40B4-BE49-F238E27FC236}">
+                <a16:creationId xmlns:a16="http://schemas.microsoft.com/office/drawing/2014/main" id="{FC0C9C27-ADED-44AA-8535-6F3101735D17}"/>
+              </a:ext>
+            </a:extLst>
+          </p:cNvPr>
+          <p:cNvSpPr>
+            <a:spLocks noGrp="1"/>
+          </p:cNvSpPr>
+          <p:nvPr>
+            <p:ph type="title"/>
+          </p:nvPr>
+        </p:nvSpPr>
+        <p:spPr>
+          <a:xfrm>
+            <a:off x="8944434" y="569692"/>
+            <a:ext cx="3092115" cy="701370"/>
+          </a:xfrm>
+        </p:spPr>
+        <p:txBody>
+          <a:bodyPr>
+            <a:normAutofit/>
+          </a:bodyPr>
+          <a:lstStyle/>
+          <a:p>
+            <a:r>
+              <a:rPr lang="fr-FR" sz="3200" dirty="0"/>
+              <a:t>MCD</a:t>
+            </a:r>
+          </a:p>
+        </p:txBody>
+      </p:sp>
+      <p:pic>
+        <p:nvPicPr>
+          <p:cNvPr id="7" name="Content Placeholder 6">
+            <a:extLst>
+              <a:ext uri="{FF2B5EF4-FFF2-40B4-BE49-F238E27FC236}">
+                <a16:creationId xmlns:a16="http://schemas.microsoft.com/office/drawing/2014/main" id="{99F6043C-D8C2-4510-A588-9999669BFA72}"/>
+              </a:ext>
+            </a:extLst>
+          </p:cNvPr>
+          <p:cNvPicPr>
+            <a:picLocks noGrp="1" noChangeAspect="1"/>
+          </p:cNvPicPr>
+          <p:nvPr>
+            <p:ph idx="1"/>
+          </p:nvPr>
+        </p:nvPicPr>
+        <p:blipFill>
+          <a:blip r:embed="rId2">
+            <a:extLst>
+              <a:ext uri="{28A0092B-C50C-407E-A947-70E740481C1C}">
+                <a14:useLocalDpi xmlns:a14="http://schemas.microsoft.com/office/drawing/2010/main" val="0"/>
+              </a:ext>
+            </a:extLst>
+          </a:blip>
+          <a:stretch>
+            <a:fillRect/>
+          </a:stretch>
+        </p:blipFill>
+        <p:spPr>
+          <a:xfrm>
+            <a:off x="762000" y="500088"/>
+            <a:ext cx="6492582" cy="6136381"/>
+          </a:xfrm>
+        </p:spPr>
+      </p:pic>
+      <p:sp>
+        <p:nvSpPr>
+          <p:cNvPr id="4" name="Text Placeholder 3">
+            <a:extLst>
+              <a:ext uri="{FF2B5EF4-FFF2-40B4-BE49-F238E27FC236}">
+                <a16:creationId xmlns:a16="http://schemas.microsoft.com/office/drawing/2014/main" id="{BB8FD1E1-B85E-497C-B343-E4DCC604858C}"/>
+              </a:ext>
+            </a:extLst>
+          </p:cNvPr>
+          <p:cNvSpPr>
+            <a:spLocks noGrp="1"/>
+          </p:cNvSpPr>
+          <p:nvPr>
+            <p:ph type="body" sz="half" idx="2"/>
+          </p:nvPr>
+        </p:nvSpPr>
+        <p:spPr/>
+        <p:txBody>
+          <a:bodyPr>
+            <a:normAutofit/>
+          </a:bodyPr>
+          <a:lstStyle/>
+          <a:p>
+            <a:r>
+              <a:rPr lang="fr-FR" sz="2400" dirty="0"/>
+              <a:t>Logiciel :</a:t>
+            </a:r>
+          </a:p>
+          <a:p>
+            <a:r>
+              <a:rPr lang="fr-FR" sz="2400" dirty="0"/>
+              <a:t>- </a:t>
+            </a:r>
+            <a:r>
+              <a:rPr lang="fr-FR" sz="2400" dirty="0" err="1"/>
+              <a:t>Mocodo</a:t>
+            </a:r>
+            <a:endParaRPr lang="fr-FR" sz="2400" dirty="0"/>
+          </a:p>
+        </p:txBody>
+      </p:sp>
+      <p:sp>
+        <p:nvSpPr>
+          <p:cNvPr id="5" name="Ribbon: Tilted Up 4">
+            <a:extLst>
+              <a:ext uri="{FF2B5EF4-FFF2-40B4-BE49-F238E27FC236}">
+                <a16:creationId xmlns:a16="http://schemas.microsoft.com/office/drawing/2014/main" id="{CE737CDD-F8A4-468C-97E6-E2B2511093A3}"/>
+              </a:ext>
+            </a:extLst>
+          </p:cNvPr>
+          <p:cNvSpPr/>
+          <p:nvPr/>
+        </p:nvSpPr>
+        <p:spPr>
+          <a:xfrm>
+            <a:off x="7987647" y="758395"/>
+            <a:ext cx="700476" cy="388210"/>
+          </a:xfrm>
+          <a:prstGeom prst="ribbon2">
+            <a:avLst/>
+          </a:prstGeom>
+        </p:spPr>
+        <p:style>
+          <a:lnRef idx="2">
+            <a:schemeClr val="accent1">
+              <a:shade val="50000"/>
+            </a:schemeClr>
+          </a:lnRef>
+          <a:fillRef idx="1">
+            <a:schemeClr val="accent1"/>
+          </a:fillRef>
+          <a:effectRef idx="0">
+            <a:schemeClr val="accent1"/>
+          </a:effectRef>
+          <a:fontRef idx="minor">
+            <a:schemeClr val="lt1"/>
+          </a:fontRef>
+        </p:style>
+        <p:txBody>
+          <a:bodyPr rtlCol="0" anchor="ctr"/>
+          <a:lstStyle/>
+          <a:p>
+            <a:pPr algn="ctr"/>
+            <a:r>
+              <a:rPr lang="fr-FR" sz="3200" dirty="0"/>
+              <a:t>5</a:t>
+            </a:r>
+          </a:p>
+        </p:txBody>
+      </p:sp>
+    </p:spTree>
+    <p:extLst>
+      <p:ext uri="{BB962C8B-B14F-4D97-AF65-F5344CB8AC3E}">
+        <p14:creationId xmlns:p14="http://schemas.microsoft.com/office/powerpoint/2010/main" val="2609979086"/>
+      </p:ext>
+    </p:extLst>
+  </p:cSld>
+  <p:clrMapOvr>
+    <a:masterClrMapping/>
+  </p:clrMapOvr>
+  <mc:AlternateContent xmlns:mc="http://schemas.openxmlformats.org/markup-compatibility/2006" xmlns:p15="http://schemas.microsoft.com/office/powerpoint/2012/main">
+    <mc:Choice Requires="p15">
+      <p:transition xmlns:p14="http://schemas.microsoft.com/office/powerpoint/2010/main" spd="slow" p14:dur="1250">
+        <p15:prstTrans prst="pageCurlDouble"/>
       </p:transition>
     </mc:Choice>
     <mc:Fallback xmlns="">

--- a/maquette/Attribution des places de parking.pptx
+++ b/maquette/Attribution des places de parking.pptx
@@ -12,8 +12,10 @@
     <p:sldId id="263" r:id="rId6"/>
     <p:sldId id="259" r:id="rId7"/>
     <p:sldId id="260" r:id="rId8"/>
-    <p:sldId id="262" r:id="rId9"/>
-    <p:sldId id="264" r:id="rId10"/>
+    <p:sldId id="265" r:id="rId9"/>
+    <p:sldId id="266" r:id="rId10"/>
+    <p:sldId id="262" r:id="rId11"/>
+    <p:sldId id="264" r:id="rId12"/>
   </p:sldIdLst>
   <p:sldSz cx="12192000" cy="6858000"/>
   <p:notesSz cx="6858000" cy="9144000"/>
@@ -16053,6 +16055,299 @@
 </p:sld>
 </file>
 
+<file path=ppt/slides/slide10.xml><?xml version="1.0" encoding="utf-8"?>
+<p:sld xmlns:a="http://schemas.openxmlformats.org/drawingml/2006/main" xmlns:r="http://schemas.openxmlformats.org/officeDocument/2006/relationships" xmlns:p="http://schemas.openxmlformats.org/presentationml/2006/main">
+  <p:cSld>
+    <p:spTree>
+      <p:nvGrpSpPr>
+        <p:cNvPr id="1" name=""/>
+        <p:cNvGrpSpPr/>
+        <p:nvPr/>
+      </p:nvGrpSpPr>
+      <p:grpSpPr>
+        <a:xfrm>
+          <a:off x="0" y="0"/>
+          <a:ext cx="0" cy="0"/>
+          <a:chOff x="0" y="0"/>
+          <a:chExt cx="0" cy="0"/>
+        </a:xfrm>
+      </p:grpSpPr>
+      <p:sp>
+        <p:nvSpPr>
+          <p:cNvPr id="2" name="Title 1">
+            <a:extLst>
+              <a:ext uri="{FF2B5EF4-FFF2-40B4-BE49-F238E27FC236}">
+                <a16:creationId xmlns:a16="http://schemas.microsoft.com/office/drawing/2014/main" id="{39610250-6865-4973-B7C4-FD6B3393E070}"/>
+              </a:ext>
+            </a:extLst>
+          </p:cNvPr>
+          <p:cNvSpPr>
+            <a:spLocks noGrp="1"/>
+          </p:cNvSpPr>
+          <p:nvPr>
+            <p:ph type="title"/>
+          </p:nvPr>
+        </p:nvSpPr>
+        <p:spPr/>
+        <p:txBody>
+          <a:bodyPr/>
+          <a:lstStyle/>
+          <a:p>
+            <a:r>
+              <a:rPr lang="fr-FR" dirty="0"/>
+              <a:t>	   Langages utilisés</a:t>
+            </a:r>
+          </a:p>
+        </p:txBody>
+      </p:sp>
+      <p:graphicFrame>
+        <p:nvGraphicFramePr>
+          <p:cNvPr id="4" name="Content Placeholder 3">
+            <a:extLst>
+              <a:ext uri="{FF2B5EF4-FFF2-40B4-BE49-F238E27FC236}">
+                <a16:creationId xmlns:a16="http://schemas.microsoft.com/office/drawing/2014/main" id="{C49477C1-5F0D-469B-B3AF-5A2F739D2C91}"/>
+              </a:ext>
+            </a:extLst>
+          </p:cNvPr>
+          <p:cNvGraphicFramePr>
+            <a:graphicFrameLocks noGrp="1"/>
+          </p:cNvGraphicFramePr>
+          <p:nvPr>
+            <p:ph idx="1"/>
+            <p:extLst>
+              <p:ext uri="{D42A27DB-BD31-4B8C-83A1-F6EECF244321}">
+                <p14:modId xmlns:p14="http://schemas.microsoft.com/office/powerpoint/2010/main" val="2093202331"/>
+              </p:ext>
+            </p:extLst>
+          </p:nvPr>
+        </p:nvGraphicFramePr>
+        <p:xfrm>
+          <a:off x="1093839" y="939114"/>
+          <a:ext cx="8325537" cy="3892378"/>
+        </p:xfrm>
+        <a:graphic>
+          <a:graphicData uri="http://schemas.openxmlformats.org/drawingml/2006/diagram">
+            <dgm:relIds xmlns:dgm="http://schemas.openxmlformats.org/drawingml/2006/diagram" xmlns:r="http://schemas.openxmlformats.org/officeDocument/2006/relationships" r:dm="rId2" r:lo="rId3" r:qs="rId4" r:cs="rId5"/>
+          </a:graphicData>
+        </a:graphic>
+      </p:graphicFrame>
+      <p:graphicFrame>
+        <p:nvGraphicFramePr>
+          <p:cNvPr id="5" name="Diagram 4">
+            <a:extLst>
+              <a:ext uri="{FF2B5EF4-FFF2-40B4-BE49-F238E27FC236}">
+                <a16:creationId xmlns:a16="http://schemas.microsoft.com/office/drawing/2014/main" id="{3DC7E477-09D4-47B0-910F-269F8BC79784}"/>
+              </a:ext>
+            </a:extLst>
+          </p:cNvPr>
+          <p:cNvGraphicFramePr/>
+          <p:nvPr>
+            <p:extLst>
+              <p:ext uri="{D42A27DB-BD31-4B8C-83A1-F6EECF244321}">
+                <p14:modId xmlns:p14="http://schemas.microsoft.com/office/powerpoint/2010/main" val="1340951494"/>
+              </p:ext>
+            </p:extLst>
+          </p:nvPr>
+        </p:nvGraphicFramePr>
+        <p:xfrm>
+          <a:off x="2288628" y="4773810"/>
+          <a:ext cx="5579201" cy="1228822"/>
+        </p:xfrm>
+        <a:graphic>
+          <a:graphicData uri="http://schemas.openxmlformats.org/drawingml/2006/diagram">
+            <dgm:relIds xmlns:dgm="http://schemas.openxmlformats.org/drawingml/2006/diagram" xmlns:r="http://schemas.openxmlformats.org/officeDocument/2006/relationships" r:dm="rId7" r:lo="rId8" r:qs="rId9" r:cs="rId10"/>
+          </a:graphicData>
+        </a:graphic>
+      </p:graphicFrame>
+      <p:sp>
+        <p:nvSpPr>
+          <p:cNvPr id="6" name="Ribbon: Tilted Up 5">
+            <a:extLst>
+              <a:ext uri="{FF2B5EF4-FFF2-40B4-BE49-F238E27FC236}">
+                <a16:creationId xmlns:a16="http://schemas.microsoft.com/office/drawing/2014/main" id="{FA5E8BC9-60D3-4E05-BBE0-5D6099FABF5C}"/>
+              </a:ext>
+            </a:extLst>
+          </p:cNvPr>
+          <p:cNvSpPr/>
+          <p:nvPr/>
+        </p:nvSpPr>
+        <p:spPr>
+          <a:xfrm>
+            <a:off x="1251678" y="421241"/>
+            <a:ext cx="1036950" cy="517873"/>
+          </a:xfrm>
+          <a:prstGeom prst="ribbon2">
+            <a:avLst/>
+          </a:prstGeom>
+        </p:spPr>
+        <p:style>
+          <a:lnRef idx="2">
+            <a:schemeClr val="accent1">
+              <a:shade val="50000"/>
+            </a:schemeClr>
+          </a:lnRef>
+          <a:fillRef idx="1">
+            <a:schemeClr val="accent1"/>
+          </a:fillRef>
+          <a:effectRef idx="0">
+            <a:schemeClr val="accent1"/>
+          </a:effectRef>
+          <a:fontRef idx="minor">
+            <a:schemeClr val="lt1"/>
+          </a:fontRef>
+        </p:style>
+        <p:txBody>
+          <a:bodyPr rtlCol="0" anchor="ctr"/>
+          <a:lstStyle/>
+          <a:p>
+            <a:pPr algn="ctr"/>
+            <a:r>
+              <a:rPr lang="fr-FR" sz="3200" dirty="0"/>
+              <a:t>7</a:t>
+            </a:r>
+          </a:p>
+        </p:txBody>
+      </p:sp>
+    </p:spTree>
+    <p:extLst>
+      <p:ext uri="{BB962C8B-B14F-4D97-AF65-F5344CB8AC3E}">
+        <p14:creationId xmlns:p14="http://schemas.microsoft.com/office/powerpoint/2010/main" val="4140359878"/>
+      </p:ext>
+    </p:extLst>
+  </p:cSld>
+  <p:clrMapOvr>
+    <a:masterClrMapping/>
+  </p:clrMapOvr>
+  <mc:AlternateContent xmlns:mc="http://schemas.openxmlformats.org/markup-compatibility/2006" xmlns:p14="http://schemas.microsoft.com/office/powerpoint/2010/main">
+    <mc:Choice Requires="p14">
+      <p:transition spd="slow" p14:dur="4000">
+        <p14:vortex dir="r"/>
+      </p:transition>
+    </mc:Choice>
+    <mc:Fallback xmlns="">
+      <p:transition spd="slow">
+        <p:fade/>
+      </p:transition>
+    </mc:Fallback>
+  </mc:AlternateContent>
+</p:sld>
+</file>
+
+<file path=ppt/slides/slide11.xml><?xml version="1.0" encoding="utf-8"?>
+<p:sld xmlns:a="http://schemas.openxmlformats.org/drawingml/2006/main" xmlns:r="http://schemas.openxmlformats.org/officeDocument/2006/relationships" xmlns:p="http://schemas.openxmlformats.org/presentationml/2006/main">
+  <p:cSld>
+    <p:spTree>
+      <p:nvGrpSpPr>
+        <p:cNvPr id="1" name=""/>
+        <p:cNvGrpSpPr/>
+        <p:nvPr/>
+      </p:nvGrpSpPr>
+      <p:grpSpPr>
+        <a:xfrm>
+          <a:off x="0" y="0"/>
+          <a:ext cx="0" cy="0"/>
+          <a:chOff x="0" y="0"/>
+          <a:chExt cx="0" cy="0"/>
+        </a:xfrm>
+      </p:grpSpPr>
+      <p:sp>
+        <p:nvSpPr>
+          <p:cNvPr id="2" name="Title 1">
+            <a:extLst>
+              <a:ext uri="{FF2B5EF4-FFF2-40B4-BE49-F238E27FC236}">
+                <a16:creationId xmlns:a16="http://schemas.microsoft.com/office/drawing/2014/main" id="{CD36CED6-009D-447B-A462-43F7463051B1}"/>
+              </a:ext>
+            </a:extLst>
+          </p:cNvPr>
+          <p:cNvSpPr>
+            <a:spLocks noGrp="1"/>
+          </p:cNvSpPr>
+          <p:nvPr>
+            <p:ph type="ctrTitle"/>
+          </p:nvPr>
+        </p:nvSpPr>
+        <p:spPr>
+          <a:xfrm>
+            <a:off x="1078523" y="1465943"/>
+            <a:ext cx="10318418" cy="4027433"/>
+          </a:xfrm>
+        </p:spPr>
+        <p:txBody>
+          <a:bodyPr/>
+          <a:lstStyle/>
+          <a:p>
+            <a:r>
+              <a:rPr lang="fr-FR" dirty="0"/>
+              <a:t>Conclusion</a:t>
+            </a:r>
+          </a:p>
+        </p:txBody>
+      </p:sp>
+      <p:sp>
+        <p:nvSpPr>
+          <p:cNvPr id="5" name="Ribbon: Tilted Up 4">
+            <a:extLst>
+              <a:ext uri="{FF2B5EF4-FFF2-40B4-BE49-F238E27FC236}">
+                <a16:creationId xmlns:a16="http://schemas.microsoft.com/office/drawing/2014/main" id="{A74627CC-237F-4858-9C66-CF75A4E23C40}"/>
+              </a:ext>
+            </a:extLst>
+          </p:cNvPr>
+          <p:cNvSpPr/>
+          <p:nvPr/>
+        </p:nvSpPr>
+        <p:spPr>
+          <a:xfrm>
+            <a:off x="5144222" y="1324457"/>
+            <a:ext cx="2187019" cy="1095772"/>
+          </a:xfrm>
+          <a:prstGeom prst="ribbon2">
+            <a:avLst/>
+          </a:prstGeom>
+        </p:spPr>
+        <p:style>
+          <a:lnRef idx="2">
+            <a:schemeClr val="accent1">
+              <a:shade val="50000"/>
+            </a:schemeClr>
+          </a:lnRef>
+          <a:fillRef idx="1">
+            <a:schemeClr val="accent1"/>
+          </a:fillRef>
+          <a:effectRef idx="0">
+            <a:schemeClr val="accent1"/>
+          </a:effectRef>
+          <a:fontRef idx="minor">
+            <a:schemeClr val="lt1"/>
+          </a:fontRef>
+        </p:style>
+        <p:txBody>
+          <a:bodyPr rtlCol="0" anchor="ctr"/>
+          <a:lstStyle/>
+          <a:p>
+            <a:pPr algn="ctr"/>
+            <a:r>
+              <a:rPr lang="fr-FR" sz="4800" b="1" dirty="0"/>
+              <a:t>8</a:t>
+            </a:r>
+          </a:p>
+        </p:txBody>
+      </p:sp>
+    </p:spTree>
+    <p:extLst>
+      <p:ext uri="{BB962C8B-B14F-4D97-AF65-F5344CB8AC3E}">
+        <p14:creationId xmlns:p14="http://schemas.microsoft.com/office/powerpoint/2010/main" val="4235345796"/>
+      </p:ext>
+    </p:extLst>
+  </p:cSld>
+  <p:clrMapOvr>
+    <a:masterClrMapping/>
+  </p:clrMapOvr>
+  <p:transition spd="slow">
+    <p:comb/>
+  </p:transition>
+</p:sld>
+</file>
+
 <file path=ppt/slides/slide2.xml><?xml version="1.0" encoding="utf-8"?>
 <p:sld xmlns:a="http://schemas.openxmlformats.org/drawingml/2006/main" xmlns:r="http://schemas.openxmlformats.org/officeDocument/2006/relationships" xmlns:p="http://schemas.openxmlformats.org/presentationml/2006/main">
   <p:cSld>
@@ -16175,7 +16470,7 @@
                   <a:reflection blurRad="6350" stA="53000" endA="300" endPos="35500" dir="5400000" sy="-90000" algn="bl" rotWithShape="0"/>
                 </a:effectLst>
               </a:rPr>
-              <a:t>	 Répartition des tâches	   Langages utilisés</a:t>
+              <a:t>	 Répartition des tâches	   BDD</a:t>
             </a:r>
           </a:p>
           <a:p>
@@ -16192,7 +16487,7 @@
                   <a:reflection blurRad="6350" stA="53000" endA="300" endPos="35500" dir="5400000" sy="-90000" algn="bl" rotWithShape="0"/>
                 </a:effectLst>
               </a:rPr>
-              <a:t>	 Planning			   Conclusion</a:t>
+              <a:t>	 Planning			   Langages utilisés</a:t>
             </a:r>
           </a:p>
           <a:p>
@@ -16209,7 +16504,7 @@
                   <a:reflection blurRad="6350" stA="53000" endA="300" endPos="35500" dir="5400000" sy="-90000" algn="bl" rotWithShape="0"/>
                 </a:effectLst>
               </a:rPr>
-              <a:t>	 Maquette	    </a:t>
+              <a:t>	 Maquette	    		   Conclusion</a:t>
             </a:r>
           </a:p>
           <a:p>
@@ -16580,6 +16875,55 @@
             <a:r>
               <a:rPr lang="fr-FR" sz="1400" dirty="0"/>
               <a:t>5</a:t>
+            </a:r>
+          </a:p>
+        </p:txBody>
+      </p:sp>
+      <p:sp>
+        <p:nvSpPr>
+          <p:cNvPr id="11" name="Ribbon: Tilted Up 8">
+            <a:extLst>
+              <a:ext uri="{FF2B5EF4-FFF2-40B4-BE49-F238E27FC236}">
+                <a16:creationId xmlns:a16="http://schemas.microsoft.com/office/drawing/2014/main" id="{85C0C965-4805-4ECD-9819-FBAC268E7BBB}"/>
+              </a:ext>
+            </a:extLst>
+          </p:cNvPr>
+          <p:cNvSpPr/>
+          <p:nvPr/>
+        </p:nvSpPr>
+        <p:spPr>
+          <a:xfrm>
+            <a:off x="6995701" y="3843923"/>
+            <a:ext cx="348792" cy="160255"/>
+          </a:xfrm>
+          <a:prstGeom prst="ribbon2">
+            <a:avLst/>
+          </a:prstGeom>
+        </p:spPr>
+        <p:style>
+          <a:lnRef idx="2">
+            <a:schemeClr val="accent1">
+              <a:shade val="50000"/>
+            </a:schemeClr>
+          </a:lnRef>
+          <a:fillRef idx="1">
+            <a:schemeClr val="accent1"/>
+          </a:fillRef>
+          <a:effectRef idx="0">
+            <a:schemeClr val="accent1"/>
+          </a:effectRef>
+          <a:fontRef idx="minor">
+            <a:schemeClr val="lt1"/>
+          </a:fontRef>
+        </p:style>
+        <p:txBody>
+          <a:bodyPr rtlCol="0" anchor="ctr"/>
+          <a:lstStyle/>
+          <a:p>
+            <a:pPr algn="ctr"/>
+            <a:r>
+              <a:rPr lang="fr-FR" sz="1400" dirty="0"/>
+              <a:t>8</a:t>
             </a:r>
           </a:p>
         </p:txBody>
@@ -17621,7 +17965,7 @@
           <p:cNvPr id="2" name="Title 1">
             <a:extLst>
               <a:ext uri="{FF2B5EF4-FFF2-40B4-BE49-F238E27FC236}">
-                <a16:creationId xmlns:a16="http://schemas.microsoft.com/office/drawing/2014/main" id="{39610250-6865-4973-B7C4-FD6B3393E070}"/>
+                <a16:creationId xmlns:a16="http://schemas.microsoft.com/office/drawing/2014/main" id="{FC0C9C27-ADED-44AA-8535-6F3101735D17}"/>
               </a:ext>
             </a:extLst>
           </p:cNvPr>
@@ -17632,83 +17976,81 @@
             <p:ph type="title"/>
           </p:nvPr>
         </p:nvSpPr>
-        <p:spPr/>
+        <p:spPr>
+          <a:xfrm>
+            <a:off x="8944434" y="569692"/>
+            <a:ext cx="3092115" cy="701370"/>
+          </a:xfrm>
+        </p:spPr>
         <p:txBody>
-          <a:bodyPr/>
+          <a:bodyPr>
+            <a:normAutofit/>
+          </a:bodyPr>
           <a:lstStyle/>
           <a:p>
             <a:r>
-              <a:rPr lang="fr-FR" dirty="0"/>
-              <a:t>	   Langages utilisés</a:t>
+              <a:rPr lang="fr-FR" sz="3200" dirty="0"/>
+              <a:t>BDD</a:t>
             </a:r>
           </a:p>
         </p:txBody>
       </p:sp>
-      <p:graphicFrame>
-        <p:nvGraphicFramePr>
-          <p:cNvPr id="4" name="Content Placeholder 3">
+      <p:sp>
+        <p:nvSpPr>
+          <p:cNvPr id="4" name="Text Placeholder 3">
             <a:extLst>
               <a:ext uri="{FF2B5EF4-FFF2-40B4-BE49-F238E27FC236}">
-                <a16:creationId xmlns:a16="http://schemas.microsoft.com/office/drawing/2014/main" id="{C49477C1-5F0D-469B-B3AF-5A2F739D2C91}"/>
+                <a16:creationId xmlns:a16="http://schemas.microsoft.com/office/drawing/2014/main" id="{BB8FD1E1-B85E-497C-B343-E4DCC604858C}"/>
               </a:ext>
             </a:extLst>
           </p:cNvPr>
-          <p:cNvGraphicFramePr>
-            <a:graphicFrameLocks noGrp="1"/>
-          </p:cNvGraphicFramePr>
+          <p:cNvSpPr>
+            <a:spLocks noGrp="1"/>
+          </p:cNvSpPr>
           <p:nvPr>
-            <p:ph idx="1"/>
-            <p:extLst>
-              <p:ext uri="{D42A27DB-BD31-4B8C-83A1-F6EECF244321}">
-                <p14:modId xmlns:p14="http://schemas.microsoft.com/office/powerpoint/2010/main" val="2093202331"/>
-              </p:ext>
-            </p:extLst>
+            <p:ph type="body" sz="half" idx="2"/>
           </p:nvPr>
-        </p:nvGraphicFramePr>
-        <p:xfrm>
-          <a:off x="1093839" y="939114"/>
-          <a:ext cx="8325537" cy="3892378"/>
-        </p:xfrm>
-        <a:graphic>
-          <a:graphicData uri="http://schemas.openxmlformats.org/drawingml/2006/diagram">
-            <dgm:relIds xmlns:dgm="http://schemas.openxmlformats.org/drawingml/2006/diagram" xmlns:r="http://schemas.openxmlformats.org/officeDocument/2006/relationships" r:dm="rId2" r:lo="rId3" r:qs="rId4" r:cs="rId5"/>
-          </a:graphicData>
-        </a:graphic>
-      </p:graphicFrame>
-      <p:graphicFrame>
-        <p:nvGraphicFramePr>
-          <p:cNvPr id="5" name="Diagram 4">
+        </p:nvSpPr>
+        <p:spPr/>
+        <p:txBody>
+          <a:bodyPr>
+            <a:normAutofit/>
+          </a:bodyPr>
+          <a:lstStyle/>
+          <a:p>
+            <a:r>
+              <a:rPr lang="fr-FR" sz="2400" dirty="0"/>
+              <a:t>Logiciel :</a:t>
+            </a:r>
+          </a:p>
+          <a:p>
+            <a:pPr marL="342900" indent="-342900">
+              <a:buFontTx/>
+              <a:buChar char="-"/>
+            </a:pPr>
+            <a:r>
+              <a:rPr lang="fr-FR" sz="2400" dirty="0"/>
+              <a:t>- PHPMYADMIN</a:t>
+            </a:r>
+          </a:p>
+          <a:p>
+            <a:pPr marL="342900" indent="-342900">
+              <a:buFontTx/>
+              <a:buChar char="-"/>
+            </a:pPr>
+            <a:r>
+              <a:rPr lang="fr-FR" sz="2400" dirty="0"/>
+              <a:t>- MYSQL</a:t>
+            </a:r>
+          </a:p>
+        </p:txBody>
+      </p:sp>
+      <p:sp>
+        <p:nvSpPr>
+          <p:cNvPr id="5" name="Ribbon: Tilted Up 4">
             <a:extLst>
               <a:ext uri="{FF2B5EF4-FFF2-40B4-BE49-F238E27FC236}">
-                <a16:creationId xmlns:a16="http://schemas.microsoft.com/office/drawing/2014/main" id="{3DC7E477-09D4-47B0-910F-269F8BC79784}"/>
-              </a:ext>
-            </a:extLst>
-          </p:cNvPr>
-          <p:cNvGraphicFramePr/>
-          <p:nvPr>
-            <p:extLst>
-              <p:ext uri="{D42A27DB-BD31-4B8C-83A1-F6EECF244321}">
-                <p14:modId xmlns:p14="http://schemas.microsoft.com/office/powerpoint/2010/main" val="1340951494"/>
-              </p:ext>
-            </p:extLst>
-          </p:nvPr>
-        </p:nvGraphicFramePr>
-        <p:xfrm>
-          <a:off x="2288628" y="4773810"/>
-          <a:ext cx="5579201" cy="1228822"/>
-        </p:xfrm>
-        <a:graphic>
-          <a:graphicData uri="http://schemas.openxmlformats.org/drawingml/2006/diagram">
-            <dgm:relIds xmlns:dgm="http://schemas.openxmlformats.org/drawingml/2006/diagram" xmlns:r="http://schemas.openxmlformats.org/officeDocument/2006/relationships" r:dm="rId7" r:lo="rId8" r:qs="rId9" r:cs="rId10"/>
-          </a:graphicData>
-        </a:graphic>
-      </p:graphicFrame>
-      <p:sp>
-        <p:nvSpPr>
-          <p:cNvPr id="6" name="Ribbon: Tilted Up 5">
-            <a:extLst>
-              <a:ext uri="{FF2B5EF4-FFF2-40B4-BE49-F238E27FC236}">
-                <a16:creationId xmlns:a16="http://schemas.microsoft.com/office/drawing/2014/main" id="{FA5E8BC9-60D3-4E05-BBE0-5D6099FABF5C}"/>
+                <a16:creationId xmlns:a16="http://schemas.microsoft.com/office/drawing/2014/main" id="{CE737CDD-F8A4-468C-97E6-E2B2511093A3}"/>
               </a:ext>
             </a:extLst>
           </p:cNvPr>
@@ -17717,8 +18059,8 @@
         </p:nvSpPr>
         <p:spPr>
           <a:xfrm>
-            <a:off x="1251678" y="421241"/>
-            <a:ext cx="1036950" cy="517873"/>
+            <a:off x="7987647" y="758395"/>
+            <a:ext cx="700476" cy="388210"/>
           </a:xfrm>
           <a:prstGeom prst="ribbon2">
             <a:avLst/>
@@ -17752,20 +18094,303 @@
           </a:p>
         </p:txBody>
       </p:sp>
+      <p:pic>
+        <p:nvPicPr>
+          <p:cNvPr id="9" name="Espace réservé du contenu 8">
+            <a:extLst>
+              <a:ext uri="{FF2B5EF4-FFF2-40B4-BE49-F238E27FC236}">
+                <a16:creationId xmlns:a16="http://schemas.microsoft.com/office/drawing/2014/main" id="{6781B085-7DDE-4CB9-9400-1F86889834AA}"/>
+              </a:ext>
+            </a:extLst>
+          </p:cNvPr>
+          <p:cNvPicPr>
+            <a:picLocks noGrp="1" noChangeAspect="1"/>
+          </p:cNvPicPr>
+          <p:nvPr>
+            <p:ph idx="1"/>
+          </p:nvPr>
+        </p:nvPicPr>
+        <p:blipFill>
+          <a:blip r:embed="rId2">
+            <a:extLst>
+              <a:ext uri="{28A0092B-C50C-407E-A947-70E740481C1C}">
+                <a14:useLocalDpi xmlns:a14="http://schemas.microsoft.com/office/drawing/2010/main" val="0"/>
+              </a:ext>
+            </a:extLst>
+          </a:blip>
+          <a:stretch>
+            <a:fillRect/>
+          </a:stretch>
+        </p:blipFill>
+        <p:spPr>
+          <a:xfrm>
+            <a:off x="583593" y="443147"/>
+            <a:ext cx="6604889" cy="1103660"/>
+          </a:xfrm>
+        </p:spPr>
+      </p:pic>
+      <p:sp>
+        <p:nvSpPr>
+          <p:cNvPr id="12" name="ZoneTexte 11">
+            <a:extLst>
+              <a:ext uri="{FF2B5EF4-FFF2-40B4-BE49-F238E27FC236}">
+                <a16:creationId xmlns:a16="http://schemas.microsoft.com/office/drawing/2014/main" id="{46070A20-C81D-428D-8FD6-777C35D8B7C3}"/>
+              </a:ext>
+            </a:extLst>
+          </p:cNvPr>
+          <p:cNvSpPr txBox="1"/>
+          <p:nvPr/>
+        </p:nvSpPr>
+        <p:spPr>
+          <a:xfrm>
+            <a:off x="2167128" y="105325"/>
+            <a:ext cx="3346704" cy="369332"/>
+          </a:xfrm>
+          <a:prstGeom prst="rect">
+            <a:avLst/>
+          </a:prstGeom>
+          <a:noFill/>
+        </p:spPr>
+        <p:txBody>
+          <a:bodyPr wrap="square" rtlCol="0">
+            <a:spAutoFit/>
+          </a:bodyPr>
+          <a:lstStyle/>
+          <a:p>
+            <a:r>
+              <a:rPr lang="fr-FR" dirty="0"/>
+              <a:t>Base de donnée :</a:t>
+            </a:r>
+          </a:p>
+        </p:txBody>
+      </p:sp>
+      <p:sp>
+        <p:nvSpPr>
+          <p:cNvPr id="13" name="ZoneTexte 12">
+            <a:extLst>
+              <a:ext uri="{FF2B5EF4-FFF2-40B4-BE49-F238E27FC236}">
+                <a16:creationId xmlns:a16="http://schemas.microsoft.com/office/drawing/2014/main" id="{D773E960-8364-4DB9-9C24-7293FF62FB2C}"/>
+              </a:ext>
+            </a:extLst>
+          </p:cNvPr>
+          <p:cNvSpPr txBox="1"/>
+          <p:nvPr/>
+        </p:nvSpPr>
+        <p:spPr>
+          <a:xfrm>
+            <a:off x="2167128" y="1556670"/>
+            <a:ext cx="3346704" cy="369332"/>
+          </a:xfrm>
+          <a:prstGeom prst="rect">
+            <a:avLst/>
+          </a:prstGeom>
+          <a:noFill/>
+        </p:spPr>
+        <p:txBody>
+          <a:bodyPr wrap="square" rtlCol="0">
+            <a:spAutoFit/>
+          </a:bodyPr>
+          <a:lstStyle/>
+          <a:p>
+            <a:r>
+              <a:rPr lang="fr-FR" dirty="0"/>
+              <a:t>Utilisateurs :</a:t>
+            </a:r>
+          </a:p>
+        </p:txBody>
+      </p:sp>
+      <p:sp>
+        <p:nvSpPr>
+          <p:cNvPr id="14" name="ZoneTexte 13">
+            <a:extLst>
+              <a:ext uri="{FF2B5EF4-FFF2-40B4-BE49-F238E27FC236}">
+                <a16:creationId xmlns:a16="http://schemas.microsoft.com/office/drawing/2014/main" id="{B6E9541A-B8D0-4B5A-869B-44A169AB559E}"/>
+              </a:ext>
+            </a:extLst>
+          </p:cNvPr>
+          <p:cNvSpPr txBox="1"/>
+          <p:nvPr/>
+        </p:nvSpPr>
+        <p:spPr>
+          <a:xfrm>
+            <a:off x="2167128" y="3442364"/>
+            <a:ext cx="865943" cy="369332"/>
+          </a:xfrm>
+          <a:prstGeom prst="rect">
+            <a:avLst/>
+          </a:prstGeom>
+          <a:noFill/>
+        </p:spPr>
+        <p:txBody>
+          <a:bodyPr wrap="none" rtlCol="0">
+            <a:spAutoFit/>
+          </a:bodyPr>
+          <a:lstStyle/>
+          <a:p>
+            <a:r>
+              <a:rPr lang="fr-FR" dirty="0"/>
+              <a:t>Places :</a:t>
+            </a:r>
+          </a:p>
+        </p:txBody>
+      </p:sp>
+      <p:pic>
+        <p:nvPicPr>
+          <p:cNvPr id="16" name="Image 15">
+            <a:extLst>
+              <a:ext uri="{FF2B5EF4-FFF2-40B4-BE49-F238E27FC236}">
+                <a16:creationId xmlns:a16="http://schemas.microsoft.com/office/drawing/2014/main" id="{54E4F648-B3B4-4888-9E39-8D4EB1BBDC57}"/>
+              </a:ext>
+            </a:extLst>
+          </p:cNvPr>
+          <p:cNvPicPr>
+            <a:picLocks noChangeAspect="1"/>
+          </p:cNvPicPr>
+          <p:nvPr/>
+        </p:nvPicPr>
+        <p:blipFill>
+          <a:blip r:embed="rId3">
+            <a:extLst>
+              <a:ext uri="{28A0092B-C50C-407E-A947-70E740481C1C}">
+                <a14:useLocalDpi xmlns:a14="http://schemas.microsoft.com/office/drawing/2010/main" val="0"/>
+              </a:ext>
+            </a:extLst>
+          </a:blip>
+          <a:stretch>
+            <a:fillRect/>
+          </a:stretch>
+        </p:blipFill>
+        <p:spPr>
+          <a:xfrm>
+            <a:off x="583592" y="3823418"/>
+            <a:ext cx="6604889" cy="820240"/>
+          </a:xfrm>
+          <a:prstGeom prst="rect">
+            <a:avLst/>
+          </a:prstGeom>
+        </p:spPr>
+      </p:pic>
+      <p:sp>
+        <p:nvSpPr>
+          <p:cNvPr id="17" name="ZoneTexte 16">
+            <a:extLst>
+              <a:ext uri="{FF2B5EF4-FFF2-40B4-BE49-F238E27FC236}">
+                <a16:creationId xmlns:a16="http://schemas.microsoft.com/office/drawing/2014/main" id="{2E8A3086-6F3B-4A3C-AEB1-64BFD323E729}"/>
+              </a:ext>
+            </a:extLst>
+          </p:cNvPr>
+          <p:cNvSpPr txBox="1"/>
+          <p:nvPr/>
+        </p:nvSpPr>
+        <p:spPr>
+          <a:xfrm>
+            <a:off x="2167128" y="4655380"/>
+            <a:ext cx="1231427" cy="369332"/>
+          </a:xfrm>
+          <a:prstGeom prst="rect">
+            <a:avLst/>
+          </a:prstGeom>
+          <a:noFill/>
+        </p:spPr>
+        <p:txBody>
+          <a:bodyPr wrap="none" rtlCol="0">
+            <a:spAutoFit/>
+          </a:bodyPr>
+          <a:lstStyle/>
+          <a:p>
+            <a:r>
+              <a:rPr lang="fr-FR" dirty="0"/>
+              <a:t>Link place :</a:t>
+            </a:r>
+          </a:p>
+        </p:txBody>
+      </p:sp>
+      <p:pic>
+        <p:nvPicPr>
+          <p:cNvPr id="19" name="Image 18">
+            <a:extLst>
+              <a:ext uri="{FF2B5EF4-FFF2-40B4-BE49-F238E27FC236}">
+                <a16:creationId xmlns:a16="http://schemas.microsoft.com/office/drawing/2014/main" id="{8168C318-CEF7-402D-9BAF-567AACFA88B8}"/>
+              </a:ext>
+            </a:extLst>
+          </p:cNvPr>
+          <p:cNvPicPr>
+            <a:picLocks noChangeAspect="1"/>
+          </p:cNvPicPr>
+          <p:nvPr/>
+        </p:nvPicPr>
+        <p:blipFill>
+          <a:blip r:embed="rId4">
+            <a:extLst>
+              <a:ext uri="{28A0092B-C50C-407E-A947-70E740481C1C}">
+                <a14:useLocalDpi xmlns:a14="http://schemas.microsoft.com/office/drawing/2010/main" val="0"/>
+              </a:ext>
+            </a:extLst>
+          </a:blip>
+          <a:stretch>
+            <a:fillRect/>
+          </a:stretch>
+        </p:blipFill>
+        <p:spPr>
+          <a:xfrm>
+            <a:off x="522074" y="5153959"/>
+            <a:ext cx="6636811" cy="1281608"/>
+          </a:xfrm>
+          <a:prstGeom prst="rect">
+            <a:avLst/>
+          </a:prstGeom>
+        </p:spPr>
+      </p:pic>
+      <p:pic>
+        <p:nvPicPr>
+          <p:cNvPr id="21" name="Image 20">
+            <a:extLst>
+              <a:ext uri="{FF2B5EF4-FFF2-40B4-BE49-F238E27FC236}">
+                <a16:creationId xmlns:a16="http://schemas.microsoft.com/office/drawing/2014/main" id="{C342F72B-360A-4588-A64B-B7DBE29BAC8D}"/>
+              </a:ext>
+            </a:extLst>
+          </p:cNvPr>
+          <p:cNvPicPr>
+            <a:picLocks noChangeAspect="1"/>
+          </p:cNvPicPr>
+          <p:nvPr/>
+        </p:nvPicPr>
+        <p:blipFill>
+          <a:blip r:embed="rId5">
+            <a:extLst>
+              <a:ext uri="{28A0092B-C50C-407E-A947-70E740481C1C}">
+                <a14:useLocalDpi xmlns:a14="http://schemas.microsoft.com/office/drawing/2010/main" val="0"/>
+              </a:ext>
+            </a:extLst>
+          </a:blip>
+          <a:stretch>
+            <a:fillRect/>
+          </a:stretch>
+        </p:blipFill>
+        <p:spPr>
+          <a:xfrm>
+            <a:off x="700476" y="1926002"/>
+            <a:ext cx="6488005" cy="1387115"/>
+          </a:xfrm>
+          <a:prstGeom prst="rect">
+            <a:avLst/>
+          </a:prstGeom>
+        </p:spPr>
+      </p:pic>
     </p:spTree>
     <p:extLst>
       <p:ext uri="{BB962C8B-B14F-4D97-AF65-F5344CB8AC3E}">
-        <p14:creationId xmlns:p14="http://schemas.microsoft.com/office/powerpoint/2010/main" val="4140359878"/>
+        <p14:creationId xmlns:p14="http://schemas.microsoft.com/office/powerpoint/2010/main" val="3993397985"/>
       </p:ext>
     </p:extLst>
   </p:cSld>
   <p:clrMapOvr>
     <a:masterClrMapping/>
   </p:clrMapOvr>
-  <mc:AlternateContent xmlns:mc="http://schemas.openxmlformats.org/markup-compatibility/2006" xmlns:p14="http://schemas.microsoft.com/office/powerpoint/2010/main">
-    <mc:Choice Requires="p14">
-      <p:transition spd="slow" p14:dur="4000">
-        <p14:vortex dir="r"/>
+  <mc:AlternateContent xmlns:mc="http://schemas.openxmlformats.org/markup-compatibility/2006" xmlns:p15="http://schemas.microsoft.com/office/powerpoint/2012/main">
+    <mc:Choice Requires="p15">
+      <p:transition xmlns:p14="http://schemas.microsoft.com/office/powerpoint/2010/main" spd="slow" p14:dur="1250">
+        <p15:prstTrans prst="pageCurlDouble"/>
       </p:transition>
     </mc:Choice>
     <mc:Fallback xmlns="">
@@ -17799,7 +18424,7 @@
           <p:cNvPr id="2" name="Title 1">
             <a:extLst>
               <a:ext uri="{FF2B5EF4-FFF2-40B4-BE49-F238E27FC236}">
-                <a16:creationId xmlns:a16="http://schemas.microsoft.com/office/drawing/2014/main" id="{CD36CED6-009D-447B-A462-43F7463051B1}"/>
+                <a16:creationId xmlns:a16="http://schemas.microsoft.com/office/drawing/2014/main" id="{FC0C9C27-ADED-44AA-8535-6F3101735D17}"/>
               </a:ext>
             </a:extLst>
           </p:cNvPr>
@@ -17807,22 +18432,74 @@
             <a:spLocks noGrp="1"/>
           </p:cNvSpPr>
           <p:nvPr>
-            <p:ph type="ctrTitle"/>
+            <p:ph type="title"/>
           </p:nvPr>
         </p:nvSpPr>
         <p:spPr>
           <a:xfrm>
-            <a:off x="1078523" y="1465943"/>
-            <a:ext cx="10318418" cy="4027433"/>
+            <a:off x="8944434" y="569692"/>
+            <a:ext cx="3092115" cy="701370"/>
           </a:xfrm>
         </p:spPr>
         <p:txBody>
-          <a:bodyPr/>
+          <a:bodyPr>
+            <a:normAutofit/>
+          </a:bodyPr>
           <a:lstStyle/>
           <a:p>
             <a:r>
-              <a:rPr lang="fr-FR" dirty="0"/>
-              <a:t>Conclusion</a:t>
+              <a:rPr lang="fr-FR" sz="3200" dirty="0"/>
+              <a:t>BDD Suite</a:t>
+            </a:r>
+          </a:p>
+        </p:txBody>
+      </p:sp>
+      <p:sp>
+        <p:nvSpPr>
+          <p:cNvPr id="4" name="Text Placeholder 3">
+            <a:extLst>
+              <a:ext uri="{FF2B5EF4-FFF2-40B4-BE49-F238E27FC236}">
+                <a16:creationId xmlns:a16="http://schemas.microsoft.com/office/drawing/2014/main" id="{BB8FD1E1-B85E-497C-B343-E4DCC604858C}"/>
+              </a:ext>
+            </a:extLst>
+          </p:cNvPr>
+          <p:cNvSpPr>
+            <a:spLocks noGrp="1"/>
+          </p:cNvSpPr>
+          <p:nvPr>
+            <p:ph type="body" sz="half" idx="2"/>
+          </p:nvPr>
+        </p:nvSpPr>
+        <p:spPr/>
+        <p:txBody>
+          <a:bodyPr>
+            <a:normAutofit/>
+          </a:bodyPr>
+          <a:lstStyle/>
+          <a:p>
+            <a:r>
+              <a:rPr lang="fr-FR" sz="2400" dirty="0"/>
+              <a:t>Logiciel :</a:t>
+            </a:r>
+          </a:p>
+          <a:p>
+            <a:pPr marL="342900" indent="-342900">
+              <a:buFontTx/>
+              <a:buChar char="-"/>
+            </a:pPr>
+            <a:r>
+              <a:rPr lang="fr-FR" sz="2400" dirty="0"/>
+              <a:t>- PHPMYADMIN</a:t>
+            </a:r>
+          </a:p>
+          <a:p>
+            <a:pPr marL="342900" indent="-342900">
+              <a:buFontTx/>
+              <a:buChar char="-"/>
+            </a:pPr>
+            <a:r>
+              <a:rPr lang="fr-FR" sz="2400" dirty="0"/>
+              <a:t>- MYSQL</a:t>
             </a:r>
           </a:p>
         </p:txBody>
@@ -17832,7 +18509,7 @@
           <p:cNvPr id="5" name="Ribbon: Tilted Up 4">
             <a:extLst>
               <a:ext uri="{FF2B5EF4-FFF2-40B4-BE49-F238E27FC236}">
-                <a16:creationId xmlns:a16="http://schemas.microsoft.com/office/drawing/2014/main" id="{A74627CC-237F-4858-9C66-CF75A4E23C40}"/>
+                <a16:creationId xmlns:a16="http://schemas.microsoft.com/office/drawing/2014/main" id="{CE737CDD-F8A4-468C-97E6-E2B2511093A3}"/>
               </a:ext>
             </a:extLst>
           </p:cNvPr>
@@ -17841,8 +18518,8 @@
         </p:nvSpPr>
         <p:spPr>
           <a:xfrm>
-            <a:off x="5144222" y="1324457"/>
-            <a:ext cx="2187019" cy="1095772"/>
+            <a:off x="7987647" y="758395"/>
+            <a:ext cx="700476" cy="388210"/>
           </a:xfrm>
           <a:prstGeom prst="ribbon2">
             <a:avLst/>
@@ -17870,25 +18547,175 @@
           <a:p>
             <a:pPr algn="ctr"/>
             <a:r>
-              <a:rPr lang="fr-FR" sz="4800" b="1" dirty="0"/>
-              <a:t>7</a:t>
+              <a:rPr lang="fr-FR" sz="3200" dirty="0"/>
+              <a:t>6</a:t>
             </a:r>
           </a:p>
         </p:txBody>
       </p:sp>
+      <p:sp>
+        <p:nvSpPr>
+          <p:cNvPr id="12" name="ZoneTexte 11">
+            <a:extLst>
+              <a:ext uri="{FF2B5EF4-FFF2-40B4-BE49-F238E27FC236}">
+                <a16:creationId xmlns:a16="http://schemas.microsoft.com/office/drawing/2014/main" id="{46070A20-C81D-428D-8FD6-777C35D8B7C3}"/>
+              </a:ext>
+            </a:extLst>
+          </p:cNvPr>
+          <p:cNvSpPr txBox="1"/>
+          <p:nvPr/>
+        </p:nvSpPr>
+        <p:spPr>
+          <a:xfrm>
+            <a:off x="2167128" y="105325"/>
+            <a:ext cx="3346704" cy="369332"/>
+          </a:xfrm>
+          <a:prstGeom prst="rect">
+            <a:avLst/>
+          </a:prstGeom>
+          <a:noFill/>
+        </p:spPr>
+        <p:txBody>
+          <a:bodyPr wrap="square" rtlCol="0">
+            <a:spAutoFit/>
+          </a:bodyPr>
+          <a:lstStyle/>
+          <a:p>
+            <a:r>
+              <a:rPr lang="fr-FR" dirty="0"/>
+              <a:t>Liste attente :</a:t>
+            </a:r>
+          </a:p>
+        </p:txBody>
+      </p:sp>
+      <p:sp>
+        <p:nvSpPr>
+          <p:cNvPr id="13" name="ZoneTexte 12">
+            <a:extLst>
+              <a:ext uri="{FF2B5EF4-FFF2-40B4-BE49-F238E27FC236}">
+                <a16:creationId xmlns:a16="http://schemas.microsoft.com/office/drawing/2014/main" id="{D773E960-8364-4DB9-9C24-7293FF62FB2C}"/>
+              </a:ext>
+            </a:extLst>
+          </p:cNvPr>
+          <p:cNvSpPr txBox="1"/>
+          <p:nvPr/>
+        </p:nvSpPr>
+        <p:spPr>
+          <a:xfrm>
+            <a:off x="2167128" y="1556670"/>
+            <a:ext cx="3346704" cy="369332"/>
+          </a:xfrm>
+          <a:prstGeom prst="rect">
+            <a:avLst/>
+          </a:prstGeom>
+          <a:noFill/>
+        </p:spPr>
+        <p:txBody>
+          <a:bodyPr wrap="square" rtlCol="0">
+            <a:spAutoFit/>
+          </a:bodyPr>
+          <a:lstStyle/>
+          <a:p>
+            <a:r>
+              <a:rPr lang="fr-FR" dirty="0"/>
+              <a:t>Historique place :</a:t>
+            </a:r>
+          </a:p>
+        </p:txBody>
+      </p:sp>
+      <p:pic>
+        <p:nvPicPr>
+          <p:cNvPr id="8" name="Espace réservé du contenu 7">
+            <a:extLst>
+              <a:ext uri="{FF2B5EF4-FFF2-40B4-BE49-F238E27FC236}">
+                <a16:creationId xmlns:a16="http://schemas.microsoft.com/office/drawing/2014/main" id="{71BFA0EE-89B6-4F89-893A-64B6E9409822}"/>
+              </a:ext>
+            </a:extLst>
+          </p:cNvPr>
+          <p:cNvPicPr>
+            <a:picLocks noGrp="1" noChangeAspect="1"/>
+          </p:cNvPicPr>
+          <p:nvPr>
+            <p:ph idx="1"/>
+          </p:nvPr>
+        </p:nvPicPr>
+        <p:blipFill>
+          <a:blip r:embed="rId2">
+            <a:extLst>
+              <a:ext uri="{28A0092B-C50C-407E-A947-70E740481C1C}">
+                <a14:useLocalDpi xmlns:a14="http://schemas.microsoft.com/office/drawing/2010/main" val="0"/>
+              </a:ext>
+            </a:extLst>
+          </a:blip>
+          <a:stretch>
+            <a:fillRect/>
+          </a:stretch>
+        </p:blipFill>
+        <p:spPr>
+          <a:xfrm>
+            <a:off x="583592" y="523596"/>
+            <a:ext cx="6157913" cy="1025005"/>
+          </a:xfrm>
+        </p:spPr>
+      </p:pic>
+      <p:pic>
+        <p:nvPicPr>
+          <p:cNvPr id="15" name="Image 14">
+            <a:extLst>
+              <a:ext uri="{FF2B5EF4-FFF2-40B4-BE49-F238E27FC236}">
+                <a16:creationId xmlns:a16="http://schemas.microsoft.com/office/drawing/2014/main" id="{C7999278-6797-4815-8A1C-3712BCA73AA7}"/>
+              </a:ext>
+            </a:extLst>
+          </p:cNvPr>
+          <p:cNvPicPr>
+            <a:picLocks noChangeAspect="1"/>
+          </p:cNvPicPr>
+          <p:nvPr/>
+        </p:nvPicPr>
+        <p:blipFill>
+          <a:blip r:embed="rId3">
+            <a:extLst>
+              <a:ext uri="{28A0092B-C50C-407E-A947-70E740481C1C}">
+                <a14:useLocalDpi xmlns:a14="http://schemas.microsoft.com/office/drawing/2010/main" val="0"/>
+              </a:ext>
+            </a:extLst>
+          </a:blip>
+          <a:stretch>
+            <a:fillRect/>
+          </a:stretch>
+        </p:blipFill>
+        <p:spPr>
+          <a:xfrm>
+            <a:off x="409856" y="2052129"/>
+            <a:ext cx="6331649" cy="1025005"/>
+          </a:xfrm>
+          <a:prstGeom prst="rect">
+            <a:avLst/>
+          </a:prstGeom>
+        </p:spPr>
+      </p:pic>
     </p:spTree>
     <p:extLst>
       <p:ext uri="{BB962C8B-B14F-4D97-AF65-F5344CB8AC3E}">
-        <p14:creationId xmlns:p14="http://schemas.microsoft.com/office/powerpoint/2010/main" val="4235345796"/>
+        <p14:creationId xmlns:p14="http://schemas.microsoft.com/office/powerpoint/2010/main" val="3535013962"/>
       </p:ext>
     </p:extLst>
   </p:cSld>
   <p:clrMapOvr>
     <a:masterClrMapping/>
   </p:clrMapOvr>
-  <p:transition spd="slow">
-    <p:comb/>
-  </p:transition>
+  <mc:AlternateContent xmlns:mc="http://schemas.openxmlformats.org/markup-compatibility/2006" xmlns:p15="http://schemas.microsoft.com/office/powerpoint/2012/main">
+    <mc:Choice Requires="p15">
+      <p:transition xmlns:p14="http://schemas.microsoft.com/office/powerpoint/2010/main" spd="slow" p14:dur="1250">
+        <p15:prstTrans prst="pageCurlDouble"/>
+      </p:transition>
+    </mc:Choice>
+    <mc:Fallback xmlns="">
+      <p:transition spd="slow">
+        <p:fade/>
+      </p:transition>
+    </mc:Fallback>
+  </mc:AlternateContent>
 </p:sld>
 </file>
 

--- a/maquette/Attribution des places de parking.pptx
+++ b/maquette/Attribution des places de parking.pptx
@@ -11,11 +11,16 @@
     <p:sldId id="261" r:id="rId5"/>
     <p:sldId id="263" r:id="rId6"/>
     <p:sldId id="259" r:id="rId7"/>
-    <p:sldId id="260" r:id="rId8"/>
-    <p:sldId id="265" r:id="rId9"/>
-    <p:sldId id="266" r:id="rId10"/>
-    <p:sldId id="262" r:id="rId11"/>
-    <p:sldId id="264" r:id="rId12"/>
+    <p:sldId id="267" r:id="rId8"/>
+    <p:sldId id="268" r:id="rId9"/>
+    <p:sldId id="269" r:id="rId10"/>
+    <p:sldId id="270" r:id="rId11"/>
+    <p:sldId id="271" r:id="rId12"/>
+    <p:sldId id="260" r:id="rId13"/>
+    <p:sldId id="265" r:id="rId14"/>
+    <p:sldId id="266" r:id="rId15"/>
+    <p:sldId id="262" r:id="rId16"/>
+    <p:sldId id="264" r:id="rId17"/>
   </p:sldIdLst>
   <p:sldSz cx="12192000" cy="6858000"/>
   <p:notesSz cx="6858000" cy="9144000"/>
@@ -10458,7 +10463,7 @@
           <a:p>
             <a:fld id="{8D313757-5B57-4151-A971-17F3423A5DDE}" type="slidenum">
               <a:rPr lang="fr-FR" smtClean="0"/>
-              <a:t>‹N°›</a:t>
+              <a:t>‹#›</a:t>
             </a:fld>
             <a:endParaRPr lang="fr-FR"/>
           </a:p>
@@ -10671,7 +10676,7 @@
           <a:p>
             <a:fld id="{8D313757-5B57-4151-A971-17F3423A5DDE}" type="slidenum">
               <a:rPr lang="fr-FR" smtClean="0"/>
-              <a:t>‹N°›</a:t>
+              <a:t>‹#›</a:t>
             </a:fld>
             <a:endParaRPr lang="fr-FR"/>
           </a:p>
@@ -10851,7 +10856,7 @@
           <a:p>
             <a:fld id="{8D313757-5B57-4151-A971-17F3423A5DDE}" type="slidenum">
               <a:rPr lang="fr-FR" smtClean="0"/>
-              <a:t>‹N°›</a:t>
+              <a:t>‹#›</a:t>
             </a:fld>
             <a:endParaRPr lang="fr-FR"/>
           </a:p>
@@ -11021,7 +11026,7 @@
           <a:p>
             <a:fld id="{8D313757-5B57-4151-A971-17F3423A5DDE}" type="slidenum">
               <a:rPr lang="fr-FR" smtClean="0"/>
-              <a:t>‹N°›</a:t>
+              <a:t>‹#›</a:t>
             </a:fld>
             <a:endParaRPr lang="fr-FR"/>
           </a:p>
@@ -11323,7 +11328,7 @@
           <a:p>
             <a:fld id="{8D313757-5B57-4151-A971-17F3423A5DDE}" type="slidenum">
               <a:rPr lang="fr-FR" smtClean="0"/>
-              <a:t>‹N°›</a:t>
+              <a:t>‹#›</a:t>
             </a:fld>
             <a:endParaRPr lang="fr-FR"/>
           </a:p>
@@ -12498,7 +12503,7 @@
           <a:p>
             <a:fld id="{8D313757-5B57-4151-A971-17F3423A5DDE}" type="slidenum">
               <a:rPr lang="fr-FR" smtClean="0"/>
-              <a:t>‹N°›</a:t>
+              <a:t>‹#›</a:t>
             </a:fld>
             <a:endParaRPr lang="fr-FR"/>
           </a:p>
@@ -12888,7 +12893,7 @@
           <a:p>
             <a:fld id="{8D313757-5B57-4151-A971-17F3423A5DDE}" type="slidenum">
               <a:rPr lang="fr-FR" smtClean="0"/>
-              <a:t>‹N°›</a:t>
+              <a:t>‹#›</a:t>
             </a:fld>
             <a:endParaRPr lang="fr-FR"/>
           </a:p>
@@ -13011,7 +13016,7 @@
           <a:p>
             <a:fld id="{8D313757-5B57-4151-A971-17F3423A5DDE}" type="slidenum">
               <a:rPr lang="fr-FR" smtClean="0"/>
-              <a:t>‹N°›</a:t>
+              <a:t>‹#›</a:t>
             </a:fld>
             <a:endParaRPr lang="fr-FR"/>
           </a:p>
@@ -13106,7 +13111,7 @@
           <a:p>
             <a:fld id="{8D313757-5B57-4151-A971-17F3423A5DDE}" type="slidenum">
               <a:rPr lang="fr-FR" smtClean="0"/>
-              <a:t>‹N°›</a:t>
+              <a:t>‹#›</a:t>
             </a:fld>
             <a:endParaRPr lang="fr-FR"/>
           </a:p>
@@ -13884,7 +13889,7 @@
           <a:p>
             <a:fld id="{8D313757-5B57-4151-A971-17F3423A5DDE}" type="slidenum">
               <a:rPr lang="fr-FR" smtClean="0"/>
-              <a:t>‹N°›</a:t>
+              <a:t>‹#›</a:t>
             </a:fld>
             <a:endParaRPr lang="fr-FR"/>
           </a:p>
@@ -14724,7 +14729,7 @@
           <a:p>
             <a:fld id="{8D313757-5B57-4151-A971-17F3423A5DDE}" type="slidenum">
               <a:rPr lang="fr-FR" smtClean="0"/>
-              <a:t>‹N°›</a:t>
+              <a:t>‹#›</a:t>
             </a:fld>
             <a:endParaRPr lang="fr-FR"/>
           </a:p>
@@ -14979,7 +14984,7 @@
           <a:p>
             <a:fld id="{8D313757-5B57-4151-A971-17F3423A5DDE}" type="slidenum">
               <a:rPr lang="fr-FR" smtClean="0"/>
-              <a:t>‹N°›</a:t>
+              <a:t>‹#›</a:t>
             </a:fld>
             <a:endParaRPr lang="fr-FR"/>
           </a:p>
@@ -16077,6 +16082,1223 @@
           <p:cNvPr id="2" name="Title 1">
             <a:extLst>
               <a:ext uri="{FF2B5EF4-FFF2-40B4-BE49-F238E27FC236}">
+                <a16:creationId xmlns:a16="http://schemas.microsoft.com/office/drawing/2014/main" id="{00B7366A-91A2-4D52-AEE8-D2896B4061AE}"/>
+              </a:ext>
+            </a:extLst>
+          </p:cNvPr>
+          <p:cNvSpPr>
+            <a:spLocks noGrp="1"/>
+          </p:cNvSpPr>
+          <p:nvPr>
+            <p:ph type="title"/>
+          </p:nvPr>
+        </p:nvSpPr>
+        <p:spPr/>
+        <p:txBody>
+          <a:bodyPr/>
+          <a:lstStyle/>
+          <a:p>
+            <a:endParaRPr lang="fr-FR"/>
+          </a:p>
+        </p:txBody>
+      </p:sp>
+      <p:pic>
+        <p:nvPicPr>
+          <p:cNvPr id="6" name="Content Placeholder 5">
+            <a:extLst>
+              <a:ext uri="{FF2B5EF4-FFF2-40B4-BE49-F238E27FC236}">
+                <a16:creationId xmlns:a16="http://schemas.microsoft.com/office/drawing/2014/main" id="{77F5973E-9142-44AC-8F96-BA2D3D5B8D13}"/>
+              </a:ext>
+            </a:extLst>
+          </p:cNvPr>
+          <p:cNvPicPr>
+            <a:picLocks noGrp="1" noChangeAspect="1"/>
+          </p:cNvPicPr>
+          <p:nvPr>
+            <p:ph sz="half" idx="1"/>
+          </p:nvPr>
+        </p:nvPicPr>
+        <p:blipFill>
+          <a:blip r:embed="rId2">
+            <a:extLst>
+              <a:ext uri="{28A0092B-C50C-407E-A947-70E740481C1C}">
+                <a14:useLocalDpi xmlns:a14="http://schemas.microsoft.com/office/drawing/2010/main" val="0"/>
+              </a:ext>
+            </a:extLst>
+          </a:blip>
+          <a:stretch>
+            <a:fillRect/>
+          </a:stretch>
+        </p:blipFill>
+        <p:spPr>
+          <a:xfrm>
+            <a:off x="1383669" y="382385"/>
+            <a:ext cx="4488322" cy="6240979"/>
+          </a:xfrm>
+        </p:spPr>
+      </p:pic>
+      <p:pic>
+        <p:nvPicPr>
+          <p:cNvPr id="8" name="Content Placeholder 7">
+            <a:extLst>
+              <a:ext uri="{FF2B5EF4-FFF2-40B4-BE49-F238E27FC236}">
+                <a16:creationId xmlns:a16="http://schemas.microsoft.com/office/drawing/2014/main" id="{5161AF57-D086-4DF3-984E-211EB11B698B}"/>
+              </a:ext>
+            </a:extLst>
+          </p:cNvPr>
+          <p:cNvPicPr>
+            <a:picLocks noGrp="1" noChangeAspect="1"/>
+          </p:cNvPicPr>
+          <p:nvPr>
+            <p:ph sz="half" idx="2"/>
+          </p:nvPr>
+        </p:nvPicPr>
+        <p:blipFill>
+          <a:blip r:embed="rId3">
+            <a:extLst>
+              <a:ext uri="{28A0092B-C50C-407E-A947-70E740481C1C}">
+                <a14:useLocalDpi xmlns:a14="http://schemas.microsoft.com/office/drawing/2010/main" val="0"/>
+              </a:ext>
+            </a:extLst>
+          </a:blip>
+          <a:stretch>
+            <a:fillRect/>
+          </a:stretch>
+        </p:blipFill>
+        <p:spPr>
+          <a:xfrm>
+            <a:off x="6434608" y="382385"/>
+            <a:ext cx="4497018" cy="6295825"/>
+          </a:xfrm>
+        </p:spPr>
+      </p:pic>
+    </p:spTree>
+    <p:extLst>
+      <p:ext uri="{BB962C8B-B14F-4D97-AF65-F5344CB8AC3E}">
+        <p14:creationId xmlns:p14="http://schemas.microsoft.com/office/powerpoint/2010/main" val="2900842468"/>
+      </p:ext>
+    </p:extLst>
+  </p:cSld>
+  <p:clrMapOvr>
+    <a:masterClrMapping/>
+  </p:clrMapOvr>
+  <mc:AlternateContent xmlns:mc="http://schemas.openxmlformats.org/markup-compatibility/2006">
+    <mc:Choice xmlns:p14="http://schemas.microsoft.com/office/powerpoint/2010/main" Requires="p14">
+      <p:transition spd="slow" p14:dur="1600">
+        <p14:gallery dir="l"/>
+      </p:transition>
+    </mc:Choice>
+    <mc:Fallback>
+      <p:transition spd="slow">
+        <p:fade/>
+      </p:transition>
+    </mc:Fallback>
+  </mc:AlternateContent>
+</p:sld>
+</file>
+
+<file path=ppt/slides/slide11.xml><?xml version="1.0" encoding="utf-8"?>
+<p:sld xmlns:a="http://schemas.openxmlformats.org/drawingml/2006/main" xmlns:r="http://schemas.openxmlformats.org/officeDocument/2006/relationships" xmlns:p="http://schemas.openxmlformats.org/presentationml/2006/main">
+  <p:cSld>
+    <p:spTree>
+      <p:nvGrpSpPr>
+        <p:cNvPr id="1" name=""/>
+        <p:cNvGrpSpPr/>
+        <p:nvPr/>
+      </p:nvGrpSpPr>
+      <p:grpSpPr>
+        <a:xfrm>
+          <a:off x="0" y="0"/>
+          <a:ext cx="0" cy="0"/>
+          <a:chOff x="0" y="0"/>
+          <a:chExt cx="0" cy="0"/>
+        </a:xfrm>
+      </p:grpSpPr>
+      <p:sp>
+        <p:nvSpPr>
+          <p:cNvPr id="2" name="Title 1">
+            <a:extLst>
+              <a:ext uri="{FF2B5EF4-FFF2-40B4-BE49-F238E27FC236}">
+                <a16:creationId xmlns:a16="http://schemas.microsoft.com/office/drawing/2014/main" id="{F4744C02-0E12-4193-A23D-353BF970DCF8}"/>
+              </a:ext>
+            </a:extLst>
+          </p:cNvPr>
+          <p:cNvSpPr>
+            <a:spLocks noGrp="1"/>
+          </p:cNvSpPr>
+          <p:nvPr>
+            <p:ph type="title"/>
+          </p:nvPr>
+        </p:nvSpPr>
+        <p:spPr/>
+        <p:txBody>
+          <a:bodyPr/>
+          <a:lstStyle/>
+          <a:p>
+            <a:endParaRPr lang="fr-FR"/>
+          </a:p>
+        </p:txBody>
+      </p:sp>
+      <p:pic>
+        <p:nvPicPr>
+          <p:cNvPr id="5" name="Content Placeholder 4">
+            <a:extLst>
+              <a:ext uri="{FF2B5EF4-FFF2-40B4-BE49-F238E27FC236}">
+                <a16:creationId xmlns:a16="http://schemas.microsoft.com/office/drawing/2014/main" id="{BCEBFF41-01C7-4CDA-81F0-5405FFFEDAF1}"/>
+              </a:ext>
+            </a:extLst>
+          </p:cNvPr>
+          <p:cNvPicPr>
+            <a:picLocks noGrp="1" noChangeAspect="1"/>
+          </p:cNvPicPr>
+          <p:nvPr>
+            <p:ph idx="1"/>
+          </p:nvPr>
+        </p:nvPicPr>
+        <p:blipFill>
+          <a:blip r:embed="rId2">
+            <a:extLst>
+              <a:ext uri="{28A0092B-C50C-407E-A947-70E740481C1C}">
+                <a14:useLocalDpi xmlns:a14="http://schemas.microsoft.com/office/drawing/2010/main" val="0"/>
+              </a:ext>
+            </a:extLst>
+          </a:blip>
+          <a:stretch>
+            <a:fillRect/>
+          </a:stretch>
+        </p:blipFill>
+        <p:spPr>
+          <a:xfrm>
+            <a:off x="3843051" y="353194"/>
+            <a:ext cx="4505898" cy="6268746"/>
+          </a:xfrm>
+        </p:spPr>
+      </p:pic>
+    </p:spTree>
+    <p:extLst>
+      <p:ext uri="{BB962C8B-B14F-4D97-AF65-F5344CB8AC3E}">
+        <p14:creationId xmlns:p14="http://schemas.microsoft.com/office/powerpoint/2010/main" val="2888977163"/>
+      </p:ext>
+    </p:extLst>
+  </p:cSld>
+  <p:clrMapOvr>
+    <a:masterClrMapping/>
+  </p:clrMapOvr>
+  <mc:AlternateContent xmlns:mc="http://schemas.openxmlformats.org/markup-compatibility/2006">
+    <mc:Choice xmlns:p14="http://schemas.microsoft.com/office/powerpoint/2010/main" Requires="p14">
+      <p:transition spd="slow" p14:dur="1200">
+        <p14:prism/>
+      </p:transition>
+    </mc:Choice>
+    <mc:Fallback>
+      <p:transition spd="slow">
+        <p:fade/>
+      </p:transition>
+    </mc:Fallback>
+  </mc:AlternateContent>
+</p:sld>
+</file>
+
+<file path=ppt/slides/slide12.xml><?xml version="1.0" encoding="utf-8"?>
+<p:sld xmlns:a="http://schemas.openxmlformats.org/drawingml/2006/main" xmlns:r="http://schemas.openxmlformats.org/officeDocument/2006/relationships" xmlns:p="http://schemas.openxmlformats.org/presentationml/2006/main">
+  <p:cSld>
+    <p:spTree>
+      <p:nvGrpSpPr>
+        <p:cNvPr id="1" name=""/>
+        <p:cNvGrpSpPr/>
+        <p:nvPr/>
+      </p:nvGrpSpPr>
+      <p:grpSpPr>
+        <a:xfrm>
+          <a:off x="0" y="0"/>
+          <a:ext cx="0" cy="0"/>
+          <a:chOff x="0" y="0"/>
+          <a:chExt cx="0" cy="0"/>
+        </a:xfrm>
+      </p:grpSpPr>
+      <p:sp>
+        <p:nvSpPr>
+          <p:cNvPr id="2" name="Title 1">
+            <a:extLst>
+              <a:ext uri="{FF2B5EF4-FFF2-40B4-BE49-F238E27FC236}">
+                <a16:creationId xmlns:a16="http://schemas.microsoft.com/office/drawing/2014/main" id="{FC0C9C27-ADED-44AA-8535-6F3101735D17}"/>
+              </a:ext>
+            </a:extLst>
+          </p:cNvPr>
+          <p:cNvSpPr>
+            <a:spLocks noGrp="1"/>
+          </p:cNvSpPr>
+          <p:nvPr>
+            <p:ph type="title"/>
+          </p:nvPr>
+        </p:nvSpPr>
+        <p:spPr>
+          <a:xfrm>
+            <a:off x="8944434" y="569692"/>
+            <a:ext cx="3092115" cy="701370"/>
+          </a:xfrm>
+        </p:spPr>
+        <p:txBody>
+          <a:bodyPr>
+            <a:normAutofit/>
+          </a:bodyPr>
+          <a:lstStyle/>
+          <a:p>
+            <a:r>
+              <a:rPr lang="fr-FR" sz="3200" dirty="0"/>
+              <a:t>MCD</a:t>
+            </a:r>
+          </a:p>
+        </p:txBody>
+      </p:sp>
+      <p:pic>
+        <p:nvPicPr>
+          <p:cNvPr id="7" name="Content Placeholder 6">
+            <a:extLst>
+              <a:ext uri="{FF2B5EF4-FFF2-40B4-BE49-F238E27FC236}">
+                <a16:creationId xmlns:a16="http://schemas.microsoft.com/office/drawing/2014/main" id="{99F6043C-D8C2-4510-A588-9999669BFA72}"/>
+              </a:ext>
+            </a:extLst>
+          </p:cNvPr>
+          <p:cNvPicPr>
+            <a:picLocks noGrp="1" noChangeAspect="1"/>
+          </p:cNvPicPr>
+          <p:nvPr>
+            <p:ph idx="1"/>
+          </p:nvPr>
+        </p:nvPicPr>
+        <p:blipFill>
+          <a:blip r:embed="rId2">
+            <a:extLst>
+              <a:ext uri="{28A0092B-C50C-407E-A947-70E740481C1C}">
+                <a14:useLocalDpi xmlns:a14="http://schemas.microsoft.com/office/drawing/2010/main" val="0"/>
+              </a:ext>
+            </a:extLst>
+          </a:blip>
+          <a:stretch>
+            <a:fillRect/>
+          </a:stretch>
+        </p:blipFill>
+        <p:spPr>
+          <a:xfrm>
+            <a:off x="762000" y="500088"/>
+            <a:ext cx="6492582" cy="6136381"/>
+          </a:xfrm>
+        </p:spPr>
+      </p:pic>
+      <p:sp>
+        <p:nvSpPr>
+          <p:cNvPr id="4" name="Text Placeholder 3">
+            <a:extLst>
+              <a:ext uri="{FF2B5EF4-FFF2-40B4-BE49-F238E27FC236}">
+                <a16:creationId xmlns:a16="http://schemas.microsoft.com/office/drawing/2014/main" id="{BB8FD1E1-B85E-497C-B343-E4DCC604858C}"/>
+              </a:ext>
+            </a:extLst>
+          </p:cNvPr>
+          <p:cNvSpPr>
+            <a:spLocks noGrp="1"/>
+          </p:cNvSpPr>
+          <p:nvPr>
+            <p:ph type="body" sz="half" idx="2"/>
+          </p:nvPr>
+        </p:nvSpPr>
+        <p:spPr/>
+        <p:txBody>
+          <a:bodyPr>
+            <a:normAutofit/>
+          </a:bodyPr>
+          <a:lstStyle/>
+          <a:p>
+            <a:r>
+              <a:rPr lang="fr-FR" sz="2400" dirty="0"/>
+              <a:t>Logiciel :</a:t>
+            </a:r>
+          </a:p>
+          <a:p>
+            <a:r>
+              <a:rPr lang="fr-FR" sz="2400" dirty="0"/>
+              <a:t>- </a:t>
+            </a:r>
+            <a:r>
+              <a:rPr lang="fr-FR" sz="2400" dirty="0" err="1"/>
+              <a:t>Mocodo</a:t>
+            </a:r>
+            <a:endParaRPr lang="fr-FR" sz="2400" dirty="0"/>
+          </a:p>
+        </p:txBody>
+      </p:sp>
+      <p:sp>
+        <p:nvSpPr>
+          <p:cNvPr id="5" name="Ribbon: Tilted Up 4">
+            <a:extLst>
+              <a:ext uri="{FF2B5EF4-FFF2-40B4-BE49-F238E27FC236}">
+                <a16:creationId xmlns:a16="http://schemas.microsoft.com/office/drawing/2014/main" id="{CE737CDD-F8A4-468C-97E6-E2B2511093A3}"/>
+              </a:ext>
+            </a:extLst>
+          </p:cNvPr>
+          <p:cNvSpPr/>
+          <p:nvPr/>
+        </p:nvSpPr>
+        <p:spPr>
+          <a:xfrm>
+            <a:off x="7987647" y="758395"/>
+            <a:ext cx="700476" cy="388210"/>
+          </a:xfrm>
+          <a:prstGeom prst="ribbon2">
+            <a:avLst/>
+          </a:prstGeom>
+        </p:spPr>
+        <p:style>
+          <a:lnRef idx="2">
+            <a:schemeClr val="accent1">
+              <a:shade val="50000"/>
+            </a:schemeClr>
+          </a:lnRef>
+          <a:fillRef idx="1">
+            <a:schemeClr val="accent1"/>
+          </a:fillRef>
+          <a:effectRef idx="0">
+            <a:schemeClr val="accent1"/>
+          </a:effectRef>
+          <a:fontRef idx="minor">
+            <a:schemeClr val="lt1"/>
+          </a:fontRef>
+        </p:style>
+        <p:txBody>
+          <a:bodyPr rtlCol="0" anchor="ctr"/>
+          <a:lstStyle/>
+          <a:p>
+            <a:pPr algn="ctr"/>
+            <a:r>
+              <a:rPr lang="fr-FR" sz="3200" dirty="0"/>
+              <a:t>5</a:t>
+            </a:r>
+          </a:p>
+        </p:txBody>
+      </p:sp>
+    </p:spTree>
+    <p:extLst>
+      <p:ext uri="{BB962C8B-B14F-4D97-AF65-F5344CB8AC3E}">
+        <p14:creationId xmlns:p14="http://schemas.microsoft.com/office/powerpoint/2010/main" val="2609979086"/>
+      </p:ext>
+    </p:extLst>
+  </p:cSld>
+  <p:clrMapOvr>
+    <a:masterClrMapping/>
+  </p:clrMapOvr>
+  <mc:AlternateContent xmlns:mc="http://schemas.openxmlformats.org/markup-compatibility/2006" xmlns:p15="http://schemas.microsoft.com/office/powerpoint/2012/main">
+    <mc:Choice Requires="p15">
+      <p:transition xmlns:p14="http://schemas.microsoft.com/office/powerpoint/2010/main" spd="slow" p14:dur="1250">
+        <p15:prstTrans prst="pageCurlDouble"/>
+      </p:transition>
+    </mc:Choice>
+    <mc:Fallback xmlns="">
+      <p:transition spd="slow">
+        <p:fade/>
+      </p:transition>
+    </mc:Fallback>
+  </mc:AlternateContent>
+</p:sld>
+</file>
+
+<file path=ppt/slides/slide13.xml><?xml version="1.0" encoding="utf-8"?>
+<p:sld xmlns:a="http://schemas.openxmlformats.org/drawingml/2006/main" xmlns:r="http://schemas.openxmlformats.org/officeDocument/2006/relationships" xmlns:p="http://schemas.openxmlformats.org/presentationml/2006/main">
+  <p:cSld>
+    <p:spTree>
+      <p:nvGrpSpPr>
+        <p:cNvPr id="1" name=""/>
+        <p:cNvGrpSpPr/>
+        <p:nvPr/>
+      </p:nvGrpSpPr>
+      <p:grpSpPr>
+        <a:xfrm>
+          <a:off x="0" y="0"/>
+          <a:ext cx="0" cy="0"/>
+          <a:chOff x="0" y="0"/>
+          <a:chExt cx="0" cy="0"/>
+        </a:xfrm>
+      </p:grpSpPr>
+      <p:sp>
+        <p:nvSpPr>
+          <p:cNvPr id="2" name="Title 1">
+            <a:extLst>
+              <a:ext uri="{FF2B5EF4-FFF2-40B4-BE49-F238E27FC236}">
+                <a16:creationId xmlns:a16="http://schemas.microsoft.com/office/drawing/2014/main" id="{FC0C9C27-ADED-44AA-8535-6F3101735D17}"/>
+              </a:ext>
+            </a:extLst>
+          </p:cNvPr>
+          <p:cNvSpPr>
+            <a:spLocks noGrp="1"/>
+          </p:cNvSpPr>
+          <p:nvPr>
+            <p:ph type="title"/>
+          </p:nvPr>
+        </p:nvSpPr>
+        <p:spPr>
+          <a:xfrm>
+            <a:off x="8944434" y="569692"/>
+            <a:ext cx="3092115" cy="701370"/>
+          </a:xfrm>
+        </p:spPr>
+        <p:txBody>
+          <a:bodyPr>
+            <a:normAutofit/>
+          </a:bodyPr>
+          <a:lstStyle/>
+          <a:p>
+            <a:r>
+              <a:rPr lang="fr-FR" sz="3200" dirty="0"/>
+              <a:t>BDD</a:t>
+            </a:r>
+          </a:p>
+        </p:txBody>
+      </p:sp>
+      <p:sp>
+        <p:nvSpPr>
+          <p:cNvPr id="4" name="Text Placeholder 3">
+            <a:extLst>
+              <a:ext uri="{FF2B5EF4-FFF2-40B4-BE49-F238E27FC236}">
+                <a16:creationId xmlns:a16="http://schemas.microsoft.com/office/drawing/2014/main" id="{BB8FD1E1-B85E-497C-B343-E4DCC604858C}"/>
+              </a:ext>
+            </a:extLst>
+          </p:cNvPr>
+          <p:cNvSpPr>
+            <a:spLocks noGrp="1"/>
+          </p:cNvSpPr>
+          <p:nvPr>
+            <p:ph type="body" sz="half" idx="2"/>
+          </p:nvPr>
+        </p:nvSpPr>
+        <p:spPr/>
+        <p:txBody>
+          <a:bodyPr>
+            <a:normAutofit/>
+          </a:bodyPr>
+          <a:lstStyle/>
+          <a:p>
+            <a:r>
+              <a:rPr lang="fr-FR" sz="2400" dirty="0"/>
+              <a:t>Logiciel :</a:t>
+            </a:r>
+          </a:p>
+          <a:p>
+            <a:pPr marL="342900" indent="-342900">
+              <a:buFontTx/>
+              <a:buChar char="-"/>
+            </a:pPr>
+            <a:r>
+              <a:rPr lang="fr-FR" sz="2400" dirty="0"/>
+              <a:t>- PHPMYADMIN</a:t>
+            </a:r>
+          </a:p>
+          <a:p>
+            <a:pPr marL="342900" indent="-342900">
+              <a:buFontTx/>
+              <a:buChar char="-"/>
+            </a:pPr>
+            <a:r>
+              <a:rPr lang="fr-FR" sz="2400" dirty="0"/>
+              <a:t>- MYSQL</a:t>
+            </a:r>
+          </a:p>
+        </p:txBody>
+      </p:sp>
+      <p:sp>
+        <p:nvSpPr>
+          <p:cNvPr id="5" name="Ribbon: Tilted Up 4">
+            <a:extLst>
+              <a:ext uri="{FF2B5EF4-FFF2-40B4-BE49-F238E27FC236}">
+                <a16:creationId xmlns:a16="http://schemas.microsoft.com/office/drawing/2014/main" id="{CE737CDD-F8A4-468C-97E6-E2B2511093A3}"/>
+              </a:ext>
+            </a:extLst>
+          </p:cNvPr>
+          <p:cNvSpPr/>
+          <p:nvPr/>
+        </p:nvSpPr>
+        <p:spPr>
+          <a:xfrm>
+            <a:off x="7987647" y="758395"/>
+            <a:ext cx="700476" cy="388210"/>
+          </a:xfrm>
+          <a:prstGeom prst="ribbon2">
+            <a:avLst/>
+          </a:prstGeom>
+        </p:spPr>
+        <p:style>
+          <a:lnRef idx="2">
+            <a:schemeClr val="accent1">
+              <a:shade val="50000"/>
+            </a:schemeClr>
+          </a:lnRef>
+          <a:fillRef idx="1">
+            <a:schemeClr val="accent1"/>
+          </a:fillRef>
+          <a:effectRef idx="0">
+            <a:schemeClr val="accent1"/>
+          </a:effectRef>
+          <a:fontRef idx="minor">
+            <a:schemeClr val="lt1"/>
+          </a:fontRef>
+        </p:style>
+        <p:txBody>
+          <a:bodyPr rtlCol="0" anchor="ctr"/>
+          <a:lstStyle/>
+          <a:p>
+            <a:pPr algn="ctr"/>
+            <a:r>
+              <a:rPr lang="fr-FR" sz="3200" dirty="0"/>
+              <a:t>6</a:t>
+            </a:r>
+          </a:p>
+        </p:txBody>
+      </p:sp>
+      <p:pic>
+        <p:nvPicPr>
+          <p:cNvPr id="9" name="Espace réservé du contenu 8">
+            <a:extLst>
+              <a:ext uri="{FF2B5EF4-FFF2-40B4-BE49-F238E27FC236}">
+                <a16:creationId xmlns:a16="http://schemas.microsoft.com/office/drawing/2014/main" id="{6781B085-7DDE-4CB9-9400-1F86889834AA}"/>
+              </a:ext>
+            </a:extLst>
+          </p:cNvPr>
+          <p:cNvPicPr>
+            <a:picLocks noGrp="1" noChangeAspect="1"/>
+          </p:cNvPicPr>
+          <p:nvPr>
+            <p:ph idx="1"/>
+          </p:nvPr>
+        </p:nvPicPr>
+        <p:blipFill>
+          <a:blip r:embed="rId2">
+            <a:extLst>
+              <a:ext uri="{28A0092B-C50C-407E-A947-70E740481C1C}">
+                <a14:useLocalDpi xmlns:a14="http://schemas.microsoft.com/office/drawing/2010/main" val="0"/>
+              </a:ext>
+            </a:extLst>
+          </a:blip>
+          <a:stretch>
+            <a:fillRect/>
+          </a:stretch>
+        </p:blipFill>
+        <p:spPr>
+          <a:xfrm>
+            <a:off x="583593" y="443147"/>
+            <a:ext cx="6604889" cy="1103660"/>
+          </a:xfrm>
+        </p:spPr>
+      </p:pic>
+      <p:sp>
+        <p:nvSpPr>
+          <p:cNvPr id="12" name="ZoneTexte 11">
+            <a:extLst>
+              <a:ext uri="{FF2B5EF4-FFF2-40B4-BE49-F238E27FC236}">
+                <a16:creationId xmlns:a16="http://schemas.microsoft.com/office/drawing/2014/main" id="{46070A20-C81D-428D-8FD6-777C35D8B7C3}"/>
+              </a:ext>
+            </a:extLst>
+          </p:cNvPr>
+          <p:cNvSpPr txBox="1"/>
+          <p:nvPr/>
+        </p:nvSpPr>
+        <p:spPr>
+          <a:xfrm>
+            <a:off x="2167128" y="105325"/>
+            <a:ext cx="3346704" cy="369332"/>
+          </a:xfrm>
+          <a:prstGeom prst="rect">
+            <a:avLst/>
+          </a:prstGeom>
+          <a:noFill/>
+        </p:spPr>
+        <p:txBody>
+          <a:bodyPr wrap="square" rtlCol="0">
+            <a:spAutoFit/>
+          </a:bodyPr>
+          <a:lstStyle/>
+          <a:p>
+            <a:r>
+              <a:rPr lang="fr-FR" dirty="0"/>
+              <a:t>Base de donnée :</a:t>
+            </a:r>
+          </a:p>
+        </p:txBody>
+      </p:sp>
+      <p:sp>
+        <p:nvSpPr>
+          <p:cNvPr id="13" name="ZoneTexte 12">
+            <a:extLst>
+              <a:ext uri="{FF2B5EF4-FFF2-40B4-BE49-F238E27FC236}">
+                <a16:creationId xmlns:a16="http://schemas.microsoft.com/office/drawing/2014/main" id="{D773E960-8364-4DB9-9C24-7293FF62FB2C}"/>
+              </a:ext>
+            </a:extLst>
+          </p:cNvPr>
+          <p:cNvSpPr txBox="1"/>
+          <p:nvPr/>
+        </p:nvSpPr>
+        <p:spPr>
+          <a:xfrm>
+            <a:off x="2167128" y="1556670"/>
+            <a:ext cx="3346704" cy="369332"/>
+          </a:xfrm>
+          <a:prstGeom prst="rect">
+            <a:avLst/>
+          </a:prstGeom>
+          <a:noFill/>
+        </p:spPr>
+        <p:txBody>
+          <a:bodyPr wrap="square" rtlCol="0">
+            <a:spAutoFit/>
+          </a:bodyPr>
+          <a:lstStyle/>
+          <a:p>
+            <a:r>
+              <a:rPr lang="fr-FR" dirty="0"/>
+              <a:t>Utilisateurs :</a:t>
+            </a:r>
+          </a:p>
+        </p:txBody>
+      </p:sp>
+      <p:sp>
+        <p:nvSpPr>
+          <p:cNvPr id="14" name="ZoneTexte 13">
+            <a:extLst>
+              <a:ext uri="{FF2B5EF4-FFF2-40B4-BE49-F238E27FC236}">
+                <a16:creationId xmlns:a16="http://schemas.microsoft.com/office/drawing/2014/main" id="{B6E9541A-B8D0-4B5A-869B-44A169AB559E}"/>
+              </a:ext>
+            </a:extLst>
+          </p:cNvPr>
+          <p:cNvSpPr txBox="1"/>
+          <p:nvPr/>
+        </p:nvSpPr>
+        <p:spPr>
+          <a:xfrm>
+            <a:off x="2167128" y="3442364"/>
+            <a:ext cx="865943" cy="369332"/>
+          </a:xfrm>
+          <a:prstGeom prst="rect">
+            <a:avLst/>
+          </a:prstGeom>
+          <a:noFill/>
+        </p:spPr>
+        <p:txBody>
+          <a:bodyPr wrap="none" rtlCol="0">
+            <a:spAutoFit/>
+          </a:bodyPr>
+          <a:lstStyle/>
+          <a:p>
+            <a:r>
+              <a:rPr lang="fr-FR" dirty="0"/>
+              <a:t>Places :</a:t>
+            </a:r>
+          </a:p>
+        </p:txBody>
+      </p:sp>
+      <p:pic>
+        <p:nvPicPr>
+          <p:cNvPr id="16" name="Image 15">
+            <a:extLst>
+              <a:ext uri="{FF2B5EF4-FFF2-40B4-BE49-F238E27FC236}">
+                <a16:creationId xmlns:a16="http://schemas.microsoft.com/office/drawing/2014/main" id="{54E4F648-B3B4-4888-9E39-8D4EB1BBDC57}"/>
+              </a:ext>
+            </a:extLst>
+          </p:cNvPr>
+          <p:cNvPicPr>
+            <a:picLocks noChangeAspect="1"/>
+          </p:cNvPicPr>
+          <p:nvPr/>
+        </p:nvPicPr>
+        <p:blipFill>
+          <a:blip r:embed="rId3">
+            <a:extLst>
+              <a:ext uri="{28A0092B-C50C-407E-A947-70E740481C1C}">
+                <a14:useLocalDpi xmlns:a14="http://schemas.microsoft.com/office/drawing/2010/main" val="0"/>
+              </a:ext>
+            </a:extLst>
+          </a:blip>
+          <a:stretch>
+            <a:fillRect/>
+          </a:stretch>
+        </p:blipFill>
+        <p:spPr>
+          <a:xfrm>
+            <a:off x="583592" y="3823418"/>
+            <a:ext cx="6604889" cy="820240"/>
+          </a:xfrm>
+          <a:prstGeom prst="rect">
+            <a:avLst/>
+          </a:prstGeom>
+        </p:spPr>
+      </p:pic>
+      <p:sp>
+        <p:nvSpPr>
+          <p:cNvPr id="17" name="ZoneTexte 16">
+            <a:extLst>
+              <a:ext uri="{FF2B5EF4-FFF2-40B4-BE49-F238E27FC236}">
+                <a16:creationId xmlns:a16="http://schemas.microsoft.com/office/drawing/2014/main" id="{2E8A3086-6F3B-4A3C-AEB1-64BFD323E729}"/>
+              </a:ext>
+            </a:extLst>
+          </p:cNvPr>
+          <p:cNvSpPr txBox="1"/>
+          <p:nvPr/>
+        </p:nvSpPr>
+        <p:spPr>
+          <a:xfrm>
+            <a:off x="2167128" y="4655380"/>
+            <a:ext cx="1231427" cy="369332"/>
+          </a:xfrm>
+          <a:prstGeom prst="rect">
+            <a:avLst/>
+          </a:prstGeom>
+          <a:noFill/>
+        </p:spPr>
+        <p:txBody>
+          <a:bodyPr wrap="none" rtlCol="0">
+            <a:spAutoFit/>
+          </a:bodyPr>
+          <a:lstStyle/>
+          <a:p>
+            <a:r>
+              <a:rPr lang="fr-FR" dirty="0"/>
+              <a:t>Link place :</a:t>
+            </a:r>
+          </a:p>
+        </p:txBody>
+      </p:sp>
+      <p:pic>
+        <p:nvPicPr>
+          <p:cNvPr id="19" name="Image 18">
+            <a:extLst>
+              <a:ext uri="{FF2B5EF4-FFF2-40B4-BE49-F238E27FC236}">
+                <a16:creationId xmlns:a16="http://schemas.microsoft.com/office/drawing/2014/main" id="{8168C318-CEF7-402D-9BAF-567AACFA88B8}"/>
+              </a:ext>
+            </a:extLst>
+          </p:cNvPr>
+          <p:cNvPicPr>
+            <a:picLocks noChangeAspect="1"/>
+          </p:cNvPicPr>
+          <p:nvPr/>
+        </p:nvPicPr>
+        <p:blipFill>
+          <a:blip r:embed="rId4">
+            <a:extLst>
+              <a:ext uri="{28A0092B-C50C-407E-A947-70E740481C1C}">
+                <a14:useLocalDpi xmlns:a14="http://schemas.microsoft.com/office/drawing/2010/main" val="0"/>
+              </a:ext>
+            </a:extLst>
+          </a:blip>
+          <a:stretch>
+            <a:fillRect/>
+          </a:stretch>
+        </p:blipFill>
+        <p:spPr>
+          <a:xfrm>
+            <a:off x="522074" y="5153959"/>
+            <a:ext cx="6636811" cy="1281608"/>
+          </a:xfrm>
+          <a:prstGeom prst="rect">
+            <a:avLst/>
+          </a:prstGeom>
+        </p:spPr>
+      </p:pic>
+      <p:pic>
+        <p:nvPicPr>
+          <p:cNvPr id="21" name="Image 20">
+            <a:extLst>
+              <a:ext uri="{FF2B5EF4-FFF2-40B4-BE49-F238E27FC236}">
+                <a16:creationId xmlns:a16="http://schemas.microsoft.com/office/drawing/2014/main" id="{C342F72B-360A-4588-A64B-B7DBE29BAC8D}"/>
+              </a:ext>
+            </a:extLst>
+          </p:cNvPr>
+          <p:cNvPicPr>
+            <a:picLocks noChangeAspect="1"/>
+          </p:cNvPicPr>
+          <p:nvPr/>
+        </p:nvPicPr>
+        <p:blipFill>
+          <a:blip r:embed="rId5">
+            <a:extLst>
+              <a:ext uri="{28A0092B-C50C-407E-A947-70E740481C1C}">
+                <a14:useLocalDpi xmlns:a14="http://schemas.microsoft.com/office/drawing/2010/main" val="0"/>
+              </a:ext>
+            </a:extLst>
+          </a:blip>
+          <a:stretch>
+            <a:fillRect/>
+          </a:stretch>
+        </p:blipFill>
+        <p:spPr>
+          <a:xfrm>
+            <a:off x="700476" y="1926002"/>
+            <a:ext cx="6488005" cy="1387115"/>
+          </a:xfrm>
+          <a:prstGeom prst="rect">
+            <a:avLst/>
+          </a:prstGeom>
+        </p:spPr>
+      </p:pic>
+    </p:spTree>
+    <p:extLst>
+      <p:ext uri="{BB962C8B-B14F-4D97-AF65-F5344CB8AC3E}">
+        <p14:creationId xmlns:p14="http://schemas.microsoft.com/office/powerpoint/2010/main" val="3993397985"/>
+      </p:ext>
+    </p:extLst>
+  </p:cSld>
+  <p:clrMapOvr>
+    <a:masterClrMapping/>
+  </p:clrMapOvr>
+  <mc:AlternateContent xmlns:mc="http://schemas.openxmlformats.org/markup-compatibility/2006" xmlns:p15="http://schemas.microsoft.com/office/powerpoint/2012/main">
+    <mc:Choice Requires="p15">
+      <p:transition xmlns:p14="http://schemas.microsoft.com/office/powerpoint/2010/main" spd="slow" p14:dur="1250">
+        <p15:prstTrans prst="pageCurlDouble"/>
+      </p:transition>
+    </mc:Choice>
+    <mc:Fallback xmlns="">
+      <p:transition spd="slow">
+        <p:fade/>
+      </p:transition>
+    </mc:Fallback>
+  </mc:AlternateContent>
+</p:sld>
+</file>
+
+<file path=ppt/slides/slide14.xml><?xml version="1.0" encoding="utf-8"?>
+<p:sld xmlns:a="http://schemas.openxmlformats.org/drawingml/2006/main" xmlns:r="http://schemas.openxmlformats.org/officeDocument/2006/relationships" xmlns:p="http://schemas.openxmlformats.org/presentationml/2006/main">
+  <p:cSld>
+    <p:spTree>
+      <p:nvGrpSpPr>
+        <p:cNvPr id="1" name=""/>
+        <p:cNvGrpSpPr/>
+        <p:nvPr/>
+      </p:nvGrpSpPr>
+      <p:grpSpPr>
+        <a:xfrm>
+          <a:off x="0" y="0"/>
+          <a:ext cx="0" cy="0"/>
+          <a:chOff x="0" y="0"/>
+          <a:chExt cx="0" cy="0"/>
+        </a:xfrm>
+      </p:grpSpPr>
+      <p:sp>
+        <p:nvSpPr>
+          <p:cNvPr id="2" name="Title 1">
+            <a:extLst>
+              <a:ext uri="{FF2B5EF4-FFF2-40B4-BE49-F238E27FC236}">
+                <a16:creationId xmlns:a16="http://schemas.microsoft.com/office/drawing/2014/main" id="{FC0C9C27-ADED-44AA-8535-6F3101735D17}"/>
+              </a:ext>
+            </a:extLst>
+          </p:cNvPr>
+          <p:cNvSpPr>
+            <a:spLocks noGrp="1"/>
+          </p:cNvSpPr>
+          <p:nvPr>
+            <p:ph type="title"/>
+          </p:nvPr>
+        </p:nvSpPr>
+        <p:spPr>
+          <a:xfrm>
+            <a:off x="8944434" y="569692"/>
+            <a:ext cx="3092115" cy="701370"/>
+          </a:xfrm>
+        </p:spPr>
+        <p:txBody>
+          <a:bodyPr>
+            <a:normAutofit/>
+          </a:bodyPr>
+          <a:lstStyle/>
+          <a:p>
+            <a:r>
+              <a:rPr lang="fr-FR" sz="3200" dirty="0"/>
+              <a:t>BDD Suite</a:t>
+            </a:r>
+          </a:p>
+        </p:txBody>
+      </p:sp>
+      <p:sp>
+        <p:nvSpPr>
+          <p:cNvPr id="4" name="Text Placeholder 3">
+            <a:extLst>
+              <a:ext uri="{FF2B5EF4-FFF2-40B4-BE49-F238E27FC236}">
+                <a16:creationId xmlns:a16="http://schemas.microsoft.com/office/drawing/2014/main" id="{BB8FD1E1-B85E-497C-B343-E4DCC604858C}"/>
+              </a:ext>
+            </a:extLst>
+          </p:cNvPr>
+          <p:cNvSpPr>
+            <a:spLocks noGrp="1"/>
+          </p:cNvSpPr>
+          <p:nvPr>
+            <p:ph type="body" sz="half" idx="2"/>
+          </p:nvPr>
+        </p:nvSpPr>
+        <p:spPr/>
+        <p:txBody>
+          <a:bodyPr>
+            <a:normAutofit/>
+          </a:bodyPr>
+          <a:lstStyle/>
+          <a:p>
+            <a:r>
+              <a:rPr lang="fr-FR" sz="2400" dirty="0"/>
+              <a:t>Logiciel :</a:t>
+            </a:r>
+          </a:p>
+          <a:p>
+            <a:pPr marL="342900" indent="-342900">
+              <a:buFontTx/>
+              <a:buChar char="-"/>
+            </a:pPr>
+            <a:r>
+              <a:rPr lang="fr-FR" sz="2400" dirty="0"/>
+              <a:t>- PHPMYADMIN</a:t>
+            </a:r>
+          </a:p>
+          <a:p>
+            <a:pPr marL="342900" indent="-342900">
+              <a:buFontTx/>
+              <a:buChar char="-"/>
+            </a:pPr>
+            <a:r>
+              <a:rPr lang="fr-FR" sz="2400" dirty="0"/>
+              <a:t>- MYSQL</a:t>
+            </a:r>
+          </a:p>
+        </p:txBody>
+      </p:sp>
+      <p:sp>
+        <p:nvSpPr>
+          <p:cNvPr id="5" name="Ribbon: Tilted Up 4">
+            <a:extLst>
+              <a:ext uri="{FF2B5EF4-FFF2-40B4-BE49-F238E27FC236}">
+                <a16:creationId xmlns:a16="http://schemas.microsoft.com/office/drawing/2014/main" id="{CE737CDD-F8A4-468C-97E6-E2B2511093A3}"/>
+              </a:ext>
+            </a:extLst>
+          </p:cNvPr>
+          <p:cNvSpPr/>
+          <p:nvPr/>
+        </p:nvSpPr>
+        <p:spPr>
+          <a:xfrm>
+            <a:off x="7987647" y="758395"/>
+            <a:ext cx="700476" cy="388210"/>
+          </a:xfrm>
+          <a:prstGeom prst="ribbon2">
+            <a:avLst/>
+          </a:prstGeom>
+        </p:spPr>
+        <p:style>
+          <a:lnRef idx="2">
+            <a:schemeClr val="accent1">
+              <a:shade val="50000"/>
+            </a:schemeClr>
+          </a:lnRef>
+          <a:fillRef idx="1">
+            <a:schemeClr val="accent1"/>
+          </a:fillRef>
+          <a:effectRef idx="0">
+            <a:schemeClr val="accent1"/>
+          </a:effectRef>
+          <a:fontRef idx="minor">
+            <a:schemeClr val="lt1"/>
+          </a:fontRef>
+        </p:style>
+        <p:txBody>
+          <a:bodyPr rtlCol="0" anchor="ctr"/>
+          <a:lstStyle/>
+          <a:p>
+            <a:pPr algn="ctr"/>
+            <a:r>
+              <a:rPr lang="fr-FR" sz="3200" dirty="0"/>
+              <a:t>6</a:t>
+            </a:r>
+          </a:p>
+        </p:txBody>
+      </p:sp>
+      <p:sp>
+        <p:nvSpPr>
+          <p:cNvPr id="12" name="ZoneTexte 11">
+            <a:extLst>
+              <a:ext uri="{FF2B5EF4-FFF2-40B4-BE49-F238E27FC236}">
+                <a16:creationId xmlns:a16="http://schemas.microsoft.com/office/drawing/2014/main" id="{46070A20-C81D-428D-8FD6-777C35D8B7C3}"/>
+              </a:ext>
+            </a:extLst>
+          </p:cNvPr>
+          <p:cNvSpPr txBox="1"/>
+          <p:nvPr/>
+        </p:nvSpPr>
+        <p:spPr>
+          <a:xfrm>
+            <a:off x="2167128" y="105325"/>
+            <a:ext cx="3346704" cy="369332"/>
+          </a:xfrm>
+          <a:prstGeom prst="rect">
+            <a:avLst/>
+          </a:prstGeom>
+          <a:noFill/>
+        </p:spPr>
+        <p:txBody>
+          <a:bodyPr wrap="square" rtlCol="0">
+            <a:spAutoFit/>
+          </a:bodyPr>
+          <a:lstStyle/>
+          <a:p>
+            <a:r>
+              <a:rPr lang="fr-FR" dirty="0"/>
+              <a:t>Liste attente :</a:t>
+            </a:r>
+          </a:p>
+        </p:txBody>
+      </p:sp>
+      <p:sp>
+        <p:nvSpPr>
+          <p:cNvPr id="13" name="ZoneTexte 12">
+            <a:extLst>
+              <a:ext uri="{FF2B5EF4-FFF2-40B4-BE49-F238E27FC236}">
+                <a16:creationId xmlns:a16="http://schemas.microsoft.com/office/drawing/2014/main" id="{D773E960-8364-4DB9-9C24-7293FF62FB2C}"/>
+              </a:ext>
+            </a:extLst>
+          </p:cNvPr>
+          <p:cNvSpPr txBox="1"/>
+          <p:nvPr/>
+        </p:nvSpPr>
+        <p:spPr>
+          <a:xfrm>
+            <a:off x="2167128" y="1556670"/>
+            <a:ext cx="3346704" cy="369332"/>
+          </a:xfrm>
+          <a:prstGeom prst="rect">
+            <a:avLst/>
+          </a:prstGeom>
+          <a:noFill/>
+        </p:spPr>
+        <p:txBody>
+          <a:bodyPr wrap="square" rtlCol="0">
+            <a:spAutoFit/>
+          </a:bodyPr>
+          <a:lstStyle/>
+          <a:p>
+            <a:r>
+              <a:rPr lang="fr-FR" dirty="0"/>
+              <a:t>Historique place :</a:t>
+            </a:r>
+          </a:p>
+        </p:txBody>
+      </p:sp>
+      <p:pic>
+        <p:nvPicPr>
+          <p:cNvPr id="8" name="Espace réservé du contenu 7">
+            <a:extLst>
+              <a:ext uri="{FF2B5EF4-FFF2-40B4-BE49-F238E27FC236}">
+                <a16:creationId xmlns:a16="http://schemas.microsoft.com/office/drawing/2014/main" id="{71BFA0EE-89B6-4F89-893A-64B6E9409822}"/>
+              </a:ext>
+            </a:extLst>
+          </p:cNvPr>
+          <p:cNvPicPr>
+            <a:picLocks noGrp="1" noChangeAspect="1"/>
+          </p:cNvPicPr>
+          <p:nvPr>
+            <p:ph idx="1"/>
+          </p:nvPr>
+        </p:nvPicPr>
+        <p:blipFill>
+          <a:blip r:embed="rId2">
+            <a:extLst>
+              <a:ext uri="{28A0092B-C50C-407E-A947-70E740481C1C}">
+                <a14:useLocalDpi xmlns:a14="http://schemas.microsoft.com/office/drawing/2010/main" val="0"/>
+              </a:ext>
+            </a:extLst>
+          </a:blip>
+          <a:stretch>
+            <a:fillRect/>
+          </a:stretch>
+        </p:blipFill>
+        <p:spPr>
+          <a:xfrm>
+            <a:off x="583592" y="523596"/>
+            <a:ext cx="6157913" cy="1025005"/>
+          </a:xfrm>
+        </p:spPr>
+      </p:pic>
+      <p:pic>
+        <p:nvPicPr>
+          <p:cNvPr id="15" name="Image 14">
+            <a:extLst>
+              <a:ext uri="{FF2B5EF4-FFF2-40B4-BE49-F238E27FC236}">
+                <a16:creationId xmlns:a16="http://schemas.microsoft.com/office/drawing/2014/main" id="{C7999278-6797-4815-8A1C-3712BCA73AA7}"/>
+              </a:ext>
+            </a:extLst>
+          </p:cNvPr>
+          <p:cNvPicPr>
+            <a:picLocks noChangeAspect="1"/>
+          </p:cNvPicPr>
+          <p:nvPr/>
+        </p:nvPicPr>
+        <p:blipFill>
+          <a:blip r:embed="rId3">
+            <a:extLst>
+              <a:ext uri="{28A0092B-C50C-407E-A947-70E740481C1C}">
+                <a14:useLocalDpi xmlns:a14="http://schemas.microsoft.com/office/drawing/2010/main" val="0"/>
+              </a:ext>
+            </a:extLst>
+          </a:blip>
+          <a:stretch>
+            <a:fillRect/>
+          </a:stretch>
+        </p:blipFill>
+        <p:spPr>
+          <a:xfrm>
+            <a:off x="409856" y="2052129"/>
+            <a:ext cx="6331649" cy="1025005"/>
+          </a:xfrm>
+          <a:prstGeom prst="rect">
+            <a:avLst/>
+          </a:prstGeom>
+        </p:spPr>
+      </p:pic>
+    </p:spTree>
+    <p:extLst>
+      <p:ext uri="{BB962C8B-B14F-4D97-AF65-F5344CB8AC3E}">
+        <p14:creationId xmlns:p14="http://schemas.microsoft.com/office/powerpoint/2010/main" val="3535013962"/>
+      </p:ext>
+    </p:extLst>
+  </p:cSld>
+  <p:clrMapOvr>
+    <a:masterClrMapping/>
+  </p:clrMapOvr>
+  <mc:AlternateContent xmlns:mc="http://schemas.openxmlformats.org/markup-compatibility/2006" xmlns:p15="http://schemas.microsoft.com/office/powerpoint/2012/main">
+    <mc:Choice Requires="p15">
+      <p:transition xmlns:p14="http://schemas.microsoft.com/office/powerpoint/2010/main" spd="slow" p14:dur="1250">
+        <p15:prstTrans prst="pageCurlDouble"/>
+      </p:transition>
+    </mc:Choice>
+    <mc:Fallback xmlns="">
+      <p:transition spd="slow">
+        <p:fade/>
+      </p:transition>
+    </mc:Fallback>
+  </mc:AlternateContent>
+</p:sld>
+</file>
+
+<file path=ppt/slides/slide15.xml><?xml version="1.0" encoding="utf-8"?>
+<p:sld xmlns:a="http://schemas.openxmlformats.org/drawingml/2006/main" xmlns:r="http://schemas.openxmlformats.org/officeDocument/2006/relationships" xmlns:p="http://schemas.openxmlformats.org/presentationml/2006/main">
+  <p:cSld>
+    <p:spTree>
+      <p:nvGrpSpPr>
+        <p:cNvPr id="1" name=""/>
+        <p:cNvGrpSpPr/>
+        <p:nvPr/>
+      </p:nvGrpSpPr>
+      <p:grpSpPr>
+        <a:xfrm>
+          <a:off x="0" y="0"/>
+          <a:ext cx="0" cy="0"/>
+          <a:chOff x="0" y="0"/>
+          <a:chExt cx="0" cy="0"/>
+        </a:xfrm>
+      </p:grpSpPr>
+      <p:sp>
+        <p:nvSpPr>
+          <p:cNvPr id="2" name="Title 1">
+            <a:extLst>
+              <a:ext uri="{FF2B5EF4-FFF2-40B4-BE49-F238E27FC236}">
                 <a16:creationId xmlns:a16="http://schemas.microsoft.com/office/drawing/2014/main" id="{39610250-6865-4973-B7C4-FD6B3393E070}"/>
               </a:ext>
             </a:extLst>
@@ -16233,7 +17455,7 @@
 </p:sld>
 </file>
 
-<file path=ppt/slides/slide11.xml><?xml version="1.0" encoding="utf-8"?>
+<file path=ppt/slides/slide16.xml><?xml version="1.0" encoding="utf-8"?>
 <p:sld xmlns:a="http://schemas.openxmlformats.org/drawingml/2006/main" xmlns:r="http://schemas.openxmlformats.org/officeDocument/2006/relationships" xmlns:p="http://schemas.openxmlformats.org/presentationml/2006/main">
   <p:cSld>
     <p:spTree>
@@ -17590,41 +18812,6 @@
           </a:p>
         </p:txBody>
       </p:sp>
-      <p:pic>
-        <p:nvPicPr>
-          <p:cNvPr id="6" name="Content Placeholder 5">
-            <a:extLst>
-              <a:ext uri="{FF2B5EF4-FFF2-40B4-BE49-F238E27FC236}">
-                <a16:creationId xmlns:a16="http://schemas.microsoft.com/office/drawing/2014/main" id="{037D09BD-4BF5-4E79-98FC-F4C65CEB47A5}"/>
-              </a:ext>
-            </a:extLst>
-          </p:cNvPr>
-          <p:cNvPicPr>
-            <a:picLocks noGrp="1" noChangeAspect="1"/>
-          </p:cNvPicPr>
-          <p:nvPr>
-            <p:ph idx="1"/>
-          </p:nvPr>
-        </p:nvPicPr>
-        <p:blipFill>
-          <a:blip r:embed="rId2">
-            <a:extLst>
-              <a:ext uri="{28A0092B-C50C-407E-A947-70E740481C1C}">
-                <a14:useLocalDpi xmlns:a14="http://schemas.microsoft.com/office/drawing/2010/main" val="0"/>
-              </a:ext>
-            </a:extLst>
-          </a:blip>
-          <a:stretch>
-            <a:fillRect/>
-          </a:stretch>
-        </p:blipFill>
-        <p:spPr>
-          <a:xfrm>
-            <a:off x="1075038" y="116304"/>
-            <a:ext cx="4707924" cy="6625391"/>
-          </a:xfrm>
-        </p:spPr>
-      </p:pic>
       <p:sp>
         <p:nvSpPr>
           <p:cNvPr id="4" name="Text Placeholder 3">
@@ -17716,6 +18903,67 @@
           </a:p>
         </p:txBody>
       </p:sp>
+      <p:pic>
+        <p:nvPicPr>
+          <p:cNvPr id="8" name="Content Placeholder 7">
+            <a:extLst>
+              <a:ext uri="{FF2B5EF4-FFF2-40B4-BE49-F238E27FC236}">
+                <a16:creationId xmlns:a16="http://schemas.microsoft.com/office/drawing/2014/main" id="{8670724D-204E-4147-8900-C0CD71E491B6}"/>
+              </a:ext>
+            </a:extLst>
+          </p:cNvPr>
+          <p:cNvPicPr>
+            <a:picLocks noChangeAspect="1"/>
+          </p:cNvPicPr>
+          <p:nvPr/>
+        </p:nvPicPr>
+        <p:blipFill>
+          <a:blip r:embed="rId2">
+            <a:extLst>
+              <a:ext uri="{28A0092B-C50C-407E-A947-70E740481C1C}">
+                <a14:useLocalDpi xmlns:a14="http://schemas.microsoft.com/office/drawing/2010/main" val="0"/>
+              </a:ext>
+            </a:extLst>
+          </a:blip>
+          <a:stretch>
+            <a:fillRect/>
+          </a:stretch>
+        </p:blipFill>
+        <p:spPr>
+          <a:xfrm>
+            <a:off x="1520328" y="122073"/>
+            <a:ext cx="4575672" cy="6480227"/>
+          </a:xfrm>
+          <a:prstGeom prst="rect">
+            <a:avLst/>
+          </a:prstGeom>
+        </p:spPr>
+      </p:pic>
+      <p:sp>
+        <p:nvSpPr>
+          <p:cNvPr id="3" name="Content Placeholder 2">
+            <a:extLst>
+              <a:ext uri="{FF2B5EF4-FFF2-40B4-BE49-F238E27FC236}">
+                <a16:creationId xmlns:a16="http://schemas.microsoft.com/office/drawing/2014/main" id="{BB913862-86E7-4CC1-975B-152851323850}"/>
+              </a:ext>
+            </a:extLst>
+          </p:cNvPr>
+          <p:cNvSpPr>
+            <a:spLocks noGrp="1"/>
+          </p:cNvSpPr>
+          <p:nvPr>
+            <p:ph idx="1"/>
+          </p:nvPr>
+        </p:nvSpPr>
+        <p:spPr/>
+        <p:txBody>
+          <a:bodyPr/>
+          <a:lstStyle/>
+          <a:p>
+            <a:endParaRPr lang="fr-FR"/>
+          </a:p>
+        </p:txBody>
+      </p:sp>
     </p:spTree>
     <p:extLst>
       <p:ext uri="{BB962C8B-B14F-4D97-AF65-F5344CB8AC3E}">
@@ -17763,7 +19011,7 @@
           <p:cNvPr id="2" name="Title 1">
             <a:extLst>
               <a:ext uri="{FF2B5EF4-FFF2-40B4-BE49-F238E27FC236}">
-                <a16:creationId xmlns:a16="http://schemas.microsoft.com/office/drawing/2014/main" id="{FC0C9C27-ADED-44AA-8535-6F3101735D17}"/>
+                <a16:creationId xmlns:a16="http://schemas.microsoft.com/office/drawing/2014/main" id="{8DE6873C-B225-45F3-BCB3-DD6C49CD4082}"/>
               </a:ext>
             </a:extLst>
           </p:cNvPr>
@@ -17774,31 +19022,21 @@
             <p:ph type="title"/>
           </p:nvPr>
         </p:nvSpPr>
-        <p:spPr>
-          <a:xfrm>
-            <a:off x="8944434" y="569692"/>
-            <a:ext cx="3092115" cy="701370"/>
-          </a:xfrm>
-        </p:spPr>
+        <p:spPr/>
         <p:txBody>
-          <a:bodyPr>
-            <a:normAutofit/>
-          </a:bodyPr>
+          <a:bodyPr/>
           <a:lstStyle/>
           <a:p>
-            <a:r>
-              <a:rPr lang="fr-FR" sz="3200" dirty="0"/>
-              <a:t>MCD</a:t>
-            </a:r>
+            <a:endParaRPr lang="fr-FR"/>
           </a:p>
         </p:txBody>
       </p:sp>
       <p:pic>
         <p:nvPicPr>
-          <p:cNvPr id="7" name="Content Placeholder 6">
+          <p:cNvPr id="6" name="Content Placeholder 5">
             <a:extLst>
               <a:ext uri="{FF2B5EF4-FFF2-40B4-BE49-F238E27FC236}">
-                <a16:creationId xmlns:a16="http://schemas.microsoft.com/office/drawing/2014/main" id="{99F6043C-D8C2-4510-A588-9999669BFA72}"/>
+                <a16:creationId xmlns:a16="http://schemas.microsoft.com/office/drawing/2014/main" id="{F463A36B-C6D6-4045-9426-6144A3A49855}"/>
               </a:ext>
             </a:extLst>
           </p:cNvPr>
@@ -17806,7 +19044,7 @@
             <a:picLocks noGrp="1" noChangeAspect="1"/>
           </p:cNvPicPr>
           <p:nvPr>
-            <p:ph idx="1"/>
+            <p:ph sz="half" idx="1"/>
           </p:nvPr>
         </p:nvPicPr>
         <p:blipFill>
@@ -17823,120 +19061,65 @@
         </p:blipFill>
         <p:spPr>
           <a:xfrm>
-            <a:off x="762000" y="500088"/>
-            <a:ext cx="6492582" cy="6136381"/>
+            <a:off x="1756004" y="382385"/>
+            <a:ext cx="4437926" cy="6238934"/>
           </a:xfrm>
         </p:spPr>
       </p:pic>
-      <p:sp>
-        <p:nvSpPr>
-          <p:cNvPr id="4" name="Text Placeholder 3">
+      <p:pic>
+        <p:nvPicPr>
+          <p:cNvPr id="8" name="Content Placeholder 7">
             <a:extLst>
               <a:ext uri="{FF2B5EF4-FFF2-40B4-BE49-F238E27FC236}">
-                <a16:creationId xmlns:a16="http://schemas.microsoft.com/office/drawing/2014/main" id="{BB8FD1E1-B85E-497C-B343-E4DCC604858C}"/>
+                <a16:creationId xmlns:a16="http://schemas.microsoft.com/office/drawing/2014/main" id="{00EB5E18-E57E-4A28-9068-CE3CFFDD6D99}"/>
               </a:ext>
             </a:extLst>
           </p:cNvPr>
-          <p:cNvSpPr>
-            <a:spLocks noGrp="1"/>
-          </p:cNvSpPr>
+          <p:cNvPicPr>
+            <a:picLocks noGrp="1" noChangeAspect="1"/>
+          </p:cNvPicPr>
           <p:nvPr>
-            <p:ph type="body" sz="half" idx="2"/>
+            <p:ph sz="half" idx="2"/>
           </p:nvPr>
-        </p:nvSpPr>
-        <p:spPr/>
-        <p:txBody>
-          <a:bodyPr>
-            <a:normAutofit/>
-          </a:bodyPr>
-          <a:lstStyle/>
-          <a:p>
-            <a:r>
-              <a:rPr lang="fr-FR" sz="2400" dirty="0"/>
-              <a:t>Logiciel :</a:t>
-            </a:r>
-          </a:p>
-          <a:p>
-            <a:r>
-              <a:rPr lang="fr-FR" sz="2400" dirty="0"/>
-              <a:t>- </a:t>
-            </a:r>
-            <a:r>
-              <a:rPr lang="fr-FR" sz="2400" dirty="0" err="1"/>
-              <a:t>Mocodo</a:t>
-            </a:r>
-            <a:endParaRPr lang="fr-FR" sz="2400" dirty="0"/>
-          </a:p>
-        </p:txBody>
-      </p:sp>
-      <p:sp>
-        <p:nvSpPr>
-          <p:cNvPr id="5" name="Ribbon: Tilted Up 4">
+        </p:nvPicPr>
+        <p:blipFill>
+          <a:blip r:embed="rId3">
             <a:extLst>
-              <a:ext uri="{FF2B5EF4-FFF2-40B4-BE49-F238E27FC236}">
-                <a16:creationId xmlns:a16="http://schemas.microsoft.com/office/drawing/2014/main" id="{CE737CDD-F8A4-468C-97E6-E2B2511093A3}"/>
+              <a:ext uri="{28A0092B-C50C-407E-A947-70E740481C1C}">
+                <a14:useLocalDpi xmlns:a14="http://schemas.microsoft.com/office/drawing/2010/main" val="0"/>
               </a:ext>
             </a:extLst>
-          </p:cNvPr>
-          <p:cNvSpPr/>
-          <p:nvPr/>
-        </p:nvSpPr>
+          </a:blip>
+          <a:stretch>
+            <a:fillRect/>
+          </a:stretch>
+        </p:blipFill>
         <p:spPr>
           <a:xfrm>
-            <a:off x="7987647" y="758395"/>
-            <a:ext cx="700476" cy="388210"/>
+            <a:off x="6698255" y="369367"/>
+            <a:ext cx="4437926" cy="6268000"/>
           </a:xfrm>
-          <a:prstGeom prst="ribbon2">
-            <a:avLst/>
-          </a:prstGeom>
         </p:spPr>
-        <p:style>
-          <a:lnRef idx="2">
-            <a:schemeClr val="accent1">
-              <a:shade val="50000"/>
-            </a:schemeClr>
-          </a:lnRef>
-          <a:fillRef idx="1">
-            <a:schemeClr val="accent1"/>
-          </a:fillRef>
-          <a:effectRef idx="0">
-            <a:schemeClr val="accent1"/>
-          </a:effectRef>
-          <a:fontRef idx="minor">
-            <a:schemeClr val="lt1"/>
-          </a:fontRef>
-        </p:style>
-        <p:txBody>
-          <a:bodyPr rtlCol="0" anchor="ctr"/>
-          <a:lstStyle/>
-          <a:p>
-            <a:pPr algn="ctr"/>
-            <a:r>
-              <a:rPr lang="fr-FR" sz="3200" dirty="0"/>
-              <a:t>5</a:t>
-            </a:r>
-          </a:p>
-        </p:txBody>
-      </p:sp>
+      </p:pic>
     </p:spTree>
     <p:extLst>
       <p:ext uri="{BB962C8B-B14F-4D97-AF65-F5344CB8AC3E}">
-        <p14:creationId xmlns:p14="http://schemas.microsoft.com/office/powerpoint/2010/main" val="2609979086"/>
+        <p14:creationId xmlns:p14="http://schemas.microsoft.com/office/powerpoint/2010/main" val="302892048"/>
       </p:ext>
     </p:extLst>
   </p:cSld>
   <p:clrMapOvr>
     <a:masterClrMapping/>
   </p:clrMapOvr>
-  <mc:AlternateContent xmlns:mc="http://schemas.openxmlformats.org/markup-compatibility/2006" xmlns:p15="http://schemas.microsoft.com/office/powerpoint/2012/main">
-    <mc:Choice Requires="p15">
-      <p:transition xmlns:p14="http://schemas.microsoft.com/office/powerpoint/2010/main" spd="slow" p14:dur="1250">
-        <p15:prstTrans prst="pageCurlDouble"/>
+  <mc:AlternateContent xmlns:mc="http://schemas.openxmlformats.org/markup-compatibility/2006">
+    <mc:Choice xmlns:p14="http://schemas.microsoft.com/office/powerpoint/2010/main" Requires="p14">
+      <p:transition spd="slow" p14:dur="800">
+        <p:circle/>
       </p:transition>
     </mc:Choice>
-    <mc:Fallback xmlns="">
+    <mc:Fallback>
       <p:transition spd="slow">
-        <p:fade/>
+        <p:circle/>
       </p:transition>
     </mc:Fallback>
   </mc:AlternateContent>
@@ -17965,7 +19148,7 @@
           <p:cNvPr id="2" name="Title 1">
             <a:extLst>
               <a:ext uri="{FF2B5EF4-FFF2-40B4-BE49-F238E27FC236}">
-                <a16:creationId xmlns:a16="http://schemas.microsoft.com/office/drawing/2014/main" id="{FC0C9C27-ADED-44AA-8535-6F3101735D17}"/>
+                <a16:creationId xmlns:a16="http://schemas.microsoft.com/office/drawing/2014/main" id="{F64FDA6F-CB99-4A80-B255-547F86E0328A}"/>
               </a:ext>
             </a:extLst>
           </p:cNvPr>
@@ -17976,130 +19159,21 @@
             <p:ph type="title"/>
           </p:nvPr>
         </p:nvSpPr>
-        <p:spPr>
-          <a:xfrm>
-            <a:off x="8944434" y="569692"/>
-            <a:ext cx="3092115" cy="701370"/>
-          </a:xfrm>
-        </p:spPr>
+        <p:spPr/>
         <p:txBody>
-          <a:bodyPr>
-            <a:normAutofit/>
-          </a:bodyPr>
+          <a:bodyPr/>
           <a:lstStyle/>
           <a:p>
-            <a:r>
-              <a:rPr lang="fr-FR" sz="3200" dirty="0"/>
-              <a:t>BDD</a:t>
-            </a:r>
-          </a:p>
-        </p:txBody>
-      </p:sp>
-      <p:sp>
-        <p:nvSpPr>
-          <p:cNvPr id="4" name="Text Placeholder 3">
-            <a:extLst>
-              <a:ext uri="{FF2B5EF4-FFF2-40B4-BE49-F238E27FC236}">
-                <a16:creationId xmlns:a16="http://schemas.microsoft.com/office/drawing/2014/main" id="{BB8FD1E1-B85E-497C-B343-E4DCC604858C}"/>
-              </a:ext>
-            </a:extLst>
-          </p:cNvPr>
-          <p:cNvSpPr>
-            <a:spLocks noGrp="1"/>
-          </p:cNvSpPr>
-          <p:nvPr>
-            <p:ph type="body" sz="half" idx="2"/>
-          </p:nvPr>
-        </p:nvSpPr>
-        <p:spPr/>
-        <p:txBody>
-          <a:bodyPr>
-            <a:normAutofit/>
-          </a:bodyPr>
-          <a:lstStyle/>
-          <a:p>
-            <a:r>
-              <a:rPr lang="fr-FR" sz="2400" dirty="0"/>
-              <a:t>Logiciel :</a:t>
-            </a:r>
-          </a:p>
-          <a:p>
-            <a:pPr marL="342900" indent="-342900">
-              <a:buFontTx/>
-              <a:buChar char="-"/>
-            </a:pPr>
-            <a:r>
-              <a:rPr lang="fr-FR" sz="2400" dirty="0"/>
-              <a:t>- PHPMYADMIN</a:t>
-            </a:r>
-          </a:p>
-          <a:p>
-            <a:pPr marL="342900" indent="-342900">
-              <a:buFontTx/>
-              <a:buChar char="-"/>
-            </a:pPr>
-            <a:r>
-              <a:rPr lang="fr-FR" sz="2400" dirty="0"/>
-              <a:t>- MYSQL</a:t>
-            </a:r>
-          </a:p>
-        </p:txBody>
-      </p:sp>
-      <p:sp>
-        <p:nvSpPr>
-          <p:cNvPr id="5" name="Ribbon: Tilted Up 4">
-            <a:extLst>
-              <a:ext uri="{FF2B5EF4-FFF2-40B4-BE49-F238E27FC236}">
-                <a16:creationId xmlns:a16="http://schemas.microsoft.com/office/drawing/2014/main" id="{CE737CDD-F8A4-468C-97E6-E2B2511093A3}"/>
-              </a:ext>
-            </a:extLst>
-          </p:cNvPr>
-          <p:cNvSpPr/>
-          <p:nvPr/>
-        </p:nvSpPr>
-        <p:spPr>
-          <a:xfrm>
-            <a:off x="7987647" y="758395"/>
-            <a:ext cx="700476" cy="388210"/>
-          </a:xfrm>
-          <a:prstGeom prst="ribbon2">
-            <a:avLst/>
-          </a:prstGeom>
-        </p:spPr>
-        <p:style>
-          <a:lnRef idx="2">
-            <a:schemeClr val="accent1">
-              <a:shade val="50000"/>
-            </a:schemeClr>
-          </a:lnRef>
-          <a:fillRef idx="1">
-            <a:schemeClr val="accent1"/>
-          </a:fillRef>
-          <a:effectRef idx="0">
-            <a:schemeClr val="accent1"/>
-          </a:effectRef>
-          <a:fontRef idx="minor">
-            <a:schemeClr val="lt1"/>
-          </a:fontRef>
-        </p:style>
-        <p:txBody>
-          <a:bodyPr rtlCol="0" anchor="ctr"/>
-          <a:lstStyle/>
-          <a:p>
-            <a:pPr algn="ctr"/>
-            <a:r>
-              <a:rPr lang="fr-FR" sz="3200" dirty="0"/>
-              <a:t>6</a:t>
-            </a:r>
+            <a:endParaRPr lang="fr-FR"/>
           </a:p>
         </p:txBody>
       </p:sp>
       <p:pic>
         <p:nvPicPr>
-          <p:cNvPr id="9" name="Espace réservé du contenu 8">
+          <p:cNvPr id="8" name="Content Placeholder 7">
             <a:extLst>
               <a:ext uri="{FF2B5EF4-FFF2-40B4-BE49-F238E27FC236}">
-                <a16:creationId xmlns:a16="http://schemas.microsoft.com/office/drawing/2014/main" id="{6781B085-7DDE-4CB9-9400-1F86889834AA}"/>
+                <a16:creationId xmlns:a16="http://schemas.microsoft.com/office/drawing/2014/main" id="{97831D7E-DFA0-4DA4-8418-D59FB2E81C85}"/>
               </a:ext>
             </a:extLst>
           </p:cNvPr>
@@ -18107,7 +19181,7 @@
             <a:picLocks noGrp="1" noChangeAspect="1"/>
           </p:cNvPicPr>
           <p:nvPr>
-            <p:ph idx="1"/>
+            <p:ph sz="half" idx="1"/>
           </p:nvPr>
         </p:nvPicPr>
         <p:blipFill>
@@ -18124,276 +19198,53 @@
         </p:blipFill>
         <p:spPr>
           <a:xfrm>
-            <a:off x="583593" y="443147"/>
-            <a:ext cx="6604889" cy="1103660"/>
+            <a:off x="3590289" y="253618"/>
+            <a:ext cx="4542881" cy="6350763"/>
           </a:xfrm>
         </p:spPr>
       </p:pic>
       <p:sp>
         <p:nvSpPr>
-          <p:cNvPr id="12" name="ZoneTexte 11">
+          <p:cNvPr id="4" name="Content Placeholder 3">
             <a:extLst>
               <a:ext uri="{FF2B5EF4-FFF2-40B4-BE49-F238E27FC236}">
-                <a16:creationId xmlns:a16="http://schemas.microsoft.com/office/drawing/2014/main" id="{46070A20-C81D-428D-8FD6-777C35D8B7C3}"/>
+                <a16:creationId xmlns:a16="http://schemas.microsoft.com/office/drawing/2014/main" id="{BF07752E-A850-4D9C-9B81-39EF23A8A869}"/>
               </a:ext>
             </a:extLst>
           </p:cNvPr>
-          <p:cNvSpPr txBox="1"/>
-          <p:nvPr/>
+          <p:cNvSpPr>
+            <a:spLocks noGrp="1"/>
+          </p:cNvSpPr>
+          <p:nvPr>
+            <p:ph sz="half" idx="2"/>
+          </p:nvPr>
         </p:nvSpPr>
-        <p:spPr>
-          <a:xfrm>
-            <a:off x="2167128" y="105325"/>
-            <a:ext cx="3346704" cy="369332"/>
-          </a:xfrm>
-          <a:prstGeom prst="rect">
-            <a:avLst/>
-          </a:prstGeom>
-          <a:noFill/>
-        </p:spPr>
+        <p:spPr/>
         <p:txBody>
-          <a:bodyPr wrap="square" rtlCol="0">
-            <a:spAutoFit/>
-          </a:bodyPr>
+          <a:bodyPr/>
           <a:lstStyle/>
           <a:p>
-            <a:r>
-              <a:rPr lang="fr-FR" dirty="0"/>
-              <a:t>Base de donnée :</a:t>
-            </a:r>
+            <a:endParaRPr lang="fr-FR"/>
           </a:p>
         </p:txBody>
       </p:sp>
-      <p:sp>
-        <p:nvSpPr>
-          <p:cNvPr id="13" name="ZoneTexte 12">
-            <a:extLst>
-              <a:ext uri="{FF2B5EF4-FFF2-40B4-BE49-F238E27FC236}">
-                <a16:creationId xmlns:a16="http://schemas.microsoft.com/office/drawing/2014/main" id="{D773E960-8364-4DB9-9C24-7293FF62FB2C}"/>
-              </a:ext>
-            </a:extLst>
-          </p:cNvPr>
-          <p:cNvSpPr txBox="1"/>
-          <p:nvPr/>
-        </p:nvSpPr>
-        <p:spPr>
-          <a:xfrm>
-            <a:off x="2167128" y="1556670"/>
-            <a:ext cx="3346704" cy="369332"/>
-          </a:xfrm>
-          <a:prstGeom prst="rect">
-            <a:avLst/>
-          </a:prstGeom>
-          <a:noFill/>
-        </p:spPr>
-        <p:txBody>
-          <a:bodyPr wrap="square" rtlCol="0">
-            <a:spAutoFit/>
-          </a:bodyPr>
-          <a:lstStyle/>
-          <a:p>
-            <a:r>
-              <a:rPr lang="fr-FR" dirty="0"/>
-              <a:t>Utilisateurs :</a:t>
-            </a:r>
-          </a:p>
-        </p:txBody>
-      </p:sp>
-      <p:sp>
-        <p:nvSpPr>
-          <p:cNvPr id="14" name="ZoneTexte 13">
-            <a:extLst>
-              <a:ext uri="{FF2B5EF4-FFF2-40B4-BE49-F238E27FC236}">
-                <a16:creationId xmlns:a16="http://schemas.microsoft.com/office/drawing/2014/main" id="{B6E9541A-B8D0-4B5A-869B-44A169AB559E}"/>
-              </a:ext>
-            </a:extLst>
-          </p:cNvPr>
-          <p:cNvSpPr txBox="1"/>
-          <p:nvPr/>
-        </p:nvSpPr>
-        <p:spPr>
-          <a:xfrm>
-            <a:off x="2167128" y="3442364"/>
-            <a:ext cx="865943" cy="369332"/>
-          </a:xfrm>
-          <a:prstGeom prst="rect">
-            <a:avLst/>
-          </a:prstGeom>
-          <a:noFill/>
-        </p:spPr>
-        <p:txBody>
-          <a:bodyPr wrap="none" rtlCol="0">
-            <a:spAutoFit/>
-          </a:bodyPr>
-          <a:lstStyle/>
-          <a:p>
-            <a:r>
-              <a:rPr lang="fr-FR" dirty="0"/>
-              <a:t>Places :</a:t>
-            </a:r>
-          </a:p>
-        </p:txBody>
-      </p:sp>
-      <p:pic>
-        <p:nvPicPr>
-          <p:cNvPr id="16" name="Image 15">
-            <a:extLst>
-              <a:ext uri="{FF2B5EF4-FFF2-40B4-BE49-F238E27FC236}">
-                <a16:creationId xmlns:a16="http://schemas.microsoft.com/office/drawing/2014/main" id="{54E4F648-B3B4-4888-9E39-8D4EB1BBDC57}"/>
-              </a:ext>
-            </a:extLst>
-          </p:cNvPr>
-          <p:cNvPicPr>
-            <a:picLocks noChangeAspect="1"/>
-          </p:cNvPicPr>
-          <p:nvPr/>
-        </p:nvPicPr>
-        <p:blipFill>
-          <a:blip r:embed="rId3">
-            <a:extLst>
-              <a:ext uri="{28A0092B-C50C-407E-A947-70E740481C1C}">
-                <a14:useLocalDpi xmlns:a14="http://schemas.microsoft.com/office/drawing/2010/main" val="0"/>
-              </a:ext>
-            </a:extLst>
-          </a:blip>
-          <a:stretch>
-            <a:fillRect/>
-          </a:stretch>
-        </p:blipFill>
-        <p:spPr>
-          <a:xfrm>
-            <a:off x="583592" y="3823418"/>
-            <a:ext cx="6604889" cy="820240"/>
-          </a:xfrm>
-          <a:prstGeom prst="rect">
-            <a:avLst/>
-          </a:prstGeom>
-        </p:spPr>
-      </p:pic>
-      <p:sp>
-        <p:nvSpPr>
-          <p:cNvPr id="17" name="ZoneTexte 16">
-            <a:extLst>
-              <a:ext uri="{FF2B5EF4-FFF2-40B4-BE49-F238E27FC236}">
-                <a16:creationId xmlns:a16="http://schemas.microsoft.com/office/drawing/2014/main" id="{2E8A3086-6F3B-4A3C-AEB1-64BFD323E729}"/>
-              </a:ext>
-            </a:extLst>
-          </p:cNvPr>
-          <p:cNvSpPr txBox="1"/>
-          <p:nvPr/>
-        </p:nvSpPr>
-        <p:spPr>
-          <a:xfrm>
-            <a:off x="2167128" y="4655380"/>
-            <a:ext cx="1231427" cy="369332"/>
-          </a:xfrm>
-          <a:prstGeom prst="rect">
-            <a:avLst/>
-          </a:prstGeom>
-          <a:noFill/>
-        </p:spPr>
-        <p:txBody>
-          <a:bodyPr wrap="none" rtlCol="0">
-            <a:spAutoFit/>
-          </a:bodyPr>
-          <a:lstStyle/>
-          <a:p>
-            <a:r>
-              <a:rPr lang="fr-FR" dirty="0"/>
-              <a:t>Link place :</a:t>
-            </a:r>
-          </a:p>
-        </p:txBody>
-      </p:sp>
-      <p:pic>
-        <p:nvPicPr>
-          <p:cNvPr id="19" name="Image 18">
-            <a:extLst>
-              <a:ext uri="{FF2B5EF4-FFF2-40B4-BE49-F238E27FC236}">
-                <a16:creationId xmlns:a16="http://schemas.microsoft.com/office/drawing/2014/main" id="{8168C318-CEF7-402D-9BAF-567AACFA88B8}"/>
-              </a:ext>
-            </a:extLst>
-          </p:cNvPr>
-          <p:cNvPicPr>
-            <a:picLocks noChangeAspect="1"/>
-          </p:cNvPicPr>
-          <p:nvPr/>
-        </p:nvPicPr>
-        <p:blipFill>
-          <a:blip r:embed="rId4">
-            <a:extLst>
-              <a:ext uri="{28A0092B-C50C-407E-A947-70E740481C1C}">
-                <a14:useLocalDpi xmlns:a14="http://schemas.microsoft.com/office/drawing/2010/main" val="0"/>
-              </a:ext>
-            </a:extLst>
-          </a:blip>
-          <a:stretch>
-            <a:fillRect/>
-          </a:stretch>
-        </p:blipFill>
-        <p:spPr>
-          <a:xfrm>
-            <a:off x="522074" y="5153959"/>
-            <a:ext cx="6636811" cy="1281608"/>
-          </a:xfrm>
-          <a:prstGeom prst="rect">
-            <a:avLst/>
-          </a:prstGeom>
-        </p:spPr>
-      </p:pic>
-      <p:pic>
-        <p:nvPicPr>
-          <p:cNvPr id="21" name="Image 20">
-            <a:extLst>
-              <a:ext uri="{FF2B5EF4-FFF2-40B4-BE49-F238E27FC236}">
-                <a16:creationId xmlns:a16="http://schemas.microsoft.com/office/drawing/2014/main" id="{C342F72B-360A-4588-A64B-B7DBE29BAC8D}"/>
-              </a:ext>
-            </a:extLst>
-          </p:cNvPr>
-          <p:cNvPicPr>
-            <a:picLocks noChangeAspect="1"/>
-          </p:cNvPicPr>
-          <p:nvPr/>
-        </p:nvPicPr>
-        <p:blipFill>
-          <a:blip r:embed="rId5">
-            <a:extLst>
-              <a:ext uri="{28A0092B-C50C-407E-A947-70E740481C1C}">
-                <a14:useLocalDpi xmlns:a14="http://schemas.microsoft.com/office/drawing/2010/main" val="0"/>
-              </a:ext>
-            </a:extLst>
-          </a:blip>
-          <a:stretch>
-            <a:fillRect/>
-          </a:stretch>
-        </p:blipFill>
-        <p:spPr>
-          <a:xfrm>
-            <a:off x="700476" y="1926002"/>
-            <a:ext cx="6488005" cy="1387115"/>
-          </a:xfrm>
-          <a:prstGeom prst="rect">
-            <a:avLst/>
-          </a:prstGeom>
-        </p:spPr>
-      </p:pic>
     </p:spTree>
     <p:extLst>
       <p:ext uri="{BB962C8B-B14F-4D97-AF65-F5344CB8AC3E}">
-        <p14:creationId xmlns:p14="http://schemas.microsoft.com/office/powerpoint/2010/main" val="3993397985"/>
+        <p14:creationId xmlns:p14="http://schemas.microsoft.com/office/powerpoint/2010/main" val="2916460406"/>
       </p:ext>
     </p:extLst>
   </p:cSld>
   <p:clrMapOvr>
     <a:masterClrMapping/>
   </p:clrMapOvr>
-  <mc:AlternateContent xmlns:mc="http://schemas.openxmlformats.org/markup-compatibility/2006" xmlns:p15="http://schemas.microsoft.com/office/powerpoint/2012/main">
-    <mc:Choice Requires="p15">
+  <mc:AlternateContent xmlns:mc="http://schemas.openxmlformats.org/markup-compatibility/2006">
+    <mc:Choice xmlns:p15="http://schemas.microsoft.com/office/powerpoint/2012/main" Requires="p15">
       <p:transition xmlns:p14="http://schemas.microsoft.com/office/powerpoint/2010/main" spd="slow" p14:dur="1250">
         <p15:prstTrans prst="pageCurlDouble"/>
       </p:transition>
     </mc:Choice>
-    <mc:Fallback xmlns="">
+    <mc:Fallback>
       <p:transition spd="slow">
         <p:fade/>
       </p:transition>
@@ -18424,7 +19275,7 @@
           <p:cNvPr id="2" name="Title 1">
             <a:extLst>
               <a:ext uri="{FF2B5EF4-FFF2-40B4-BE49-F238E27FC236}">
-                <a16:creationId xmlns:a16="http://schemas.microsoft.com/office/drawing/2014/main" id="{FC0C9C27-ADED-44AA-8535-6F3101735D17}"/>
+                <a16:creationId xmlns:a16="http://schemas.microsoft.com/office/drawing/2014/main" id="{91D62B55-25A1-49B0-9560-CB83C3CB5644}"/>
               </a:ext>
             </a:extLst>
           </p:cNvPr>
@@ -18435,200 +19286,21 @@
             <p:ph type="title"/>
           </p:nvPr>
         </p:nvSpPr>
-        <p:spPr>
-          <a:xfrm>
-            <a:off x="8944434" y="569692"/>
-            <a:ext cx="3092115" cy="701370"/>
-          </a:xfrm>
-        </p:spPr>
+        <p:spPr/>
         <p:txBody>
-          <a:bodyPr>
-            <a:normAutofit/>
-          </a:bodyPr>
+          <a:bodyPr/>
           <a:lstStyle/>
           <a:p>
-            <a:r>
-              <a:rPr lang="fr-FR" sz="3200" dirty="0"/>
-              <a:t>BDD Suite</a:t>
-            </a:r>
-          </a:p>
-        </p:txBody>
-      </p:sp>
-      <p:sp>
-        <p:nvSpPr>
-          <p:cNvPr id="4" name="Text Placeholder 3">
-            <a:extLst>
-              <a:ext uri="{FF2B5EF4-FFF2-40B4-BE49-F238E27FC236}">
-                <a16:creationId xmlns:a16="http://schemas.microsoft.com/office/drawing/2014/main" id="{BB8FD1E1-B85E-497C-B343-E4DCC604858C}"/>
-              </a:ext>
-            </a:extLst>
-          </p:cNvPr>
-          <p:cNvSpPr>
-            <a:spLocks noGrp="1"/>
-          </p:cNvSpPr>
-          <p:nvPr>
-            <p:ph type="body" sz="half" idx="2"/>
-          </p:nvPr>
-        </p:nvSpPr>
-        <p:spPr/>
-        <p:txBody>
-          <a:bodyPr>
-            <a:normAutofit/>
-          </a:bodyPr>
-          <a:lstStyle/>
-          <a:p>
-            <a:r>
-              <a:rPr lang="fr-FR" sz="2400" dirty="0"/>
-              <a:t>Logiciel :</a:t>
-            </a:r>
-          </a:p>
-          <a:p>
-            <a:pPr marL="342900" indent="-342900">
-              <a:buFontTx/>
-              <a:buChar char="-"/>
-            </a:pPr>
-            <a:r>
-              <a:rPr lang="fr-FR" sz="2400" dirty="0"/>
-              <a:t>- PHPMYADMIN</a:t>
-            </a:r>
-          </a:p>
-          <a:p>
-            <a:pPr marL="342900" indent="-342900">
-              <a:buFontTx/>
-              <a:buChar char="-"/>
-            </a:pPr>
-            <a:r>
-              <a:rPr lang="fr-FR" sz="2400" dirty="0"/>
-              <a:t>- MYSQL</a:t>
-            </a:r>
-          </a:p>
-        </p:txBody>
-      </p:sp>
-      <p:sp>
-        <p:nvSpPr>
-          <p:cNvPr id="5" name="Ribbon: Tilted Up 4">
-            <a:extLst>
-              <a:ext uri="{FF2B5EF4-FFF2-40B4-BE49-F238E27FC236}">
-                <a16:creationId xmlns:a16="http://schemas.microsoft.com/office/drawing/2014/main" id="{CE737CDD-F8A4-468C-97E6-E2B2511093A3}"/>
-              </a:ext>
-            </a:extLst>
-          </p:cNvPr>
-          <p:cNvSpPr/>
-          <p:nvPr/>
-        </p:nvSpPr>
-        <p:spPr>
-          <a:xfrm>
-            <a:off x="7987647" y="758395"/>
-            <a:ext cx="700476" cy="388210"/>
-          </a:xfrm>
-          <a:prstGeom prst="ribbon2">
-            <a:avLst/>
-          </a:prstGeom>
-        </p:spPr>
-        <p:style>
-          <a:lnRef idx="2">
-            <a:schemeClr val="accent1">
-              <a:shade val="50000"/>
-            </a:schemeClr>
-          </a:lnRef>
-          <a:fillRef idx="1">
-            <a:schemeClr val="accent1"/>
-          </a:fillRef>
-          <a:effectRef idx="0">
-            <a:schemeClr val="accent1"/>
-          </a:effectRef>
-          <a:fontRef idx="minor">
-            <a:schemeClr val="lt1"/>
-          </a:fontRef>
-        </p:style>
-        <p:txBody>
-          <a:bodyPr rtlCol="0" anchor="ctr"/>
-          <a:lstStyle/>
-          <a:p>
-            <a:pPr algn="ctr"/>
-            <a:r>
-              <a:rPr lang="fr-FR" sz="3200" dirty="0"/>
-              <a:t>6</a:t>
-            </a:r>
-          </a:p>
-        </p:txBody>
-      </p:sp>
-      <p:sp>
-        <p:nvSpPr>
-          <p:cNvPr id="12" name="ZoneTexte 11">
-            <a:extLst>
-              <a:ext uri="{FF2B5EF4-FFF2-40B4-BE49-F238E27FC236}">
-                <a16:creationId xmlns:a16="http://schemas.microsoft.com/office/drawing/2014/main" id="{46070A20-C81D-428D-8FD6-777C35D8B7C3}"/>
-              </a:ext>
-            </a:extLst>
-          </p:cNvPr>
-          <p:cNvSpPr txBox="1"/>
-          <p:nvPr/>
-        </p:nvSpPr>
-        <p:spPr>
-          <a:xfrm>
-            <a:off x="2167128" y="105325"/>
-            <a:ext cx="3346704" cy="369332"/>
-          </a:xfrm>
-          <a:prstGeom prst="rect">
-            <a:avLst/>
-          </a:prstGeom>
-          <a:noFill/>
-        </p:spPr>
-        <p:txBody>
-          <a:bodyPr wrap="square" rtlCol="0">
-            <a:spAutoFit/>
-          </a:bodyPr>
-          <a:lstStyle/>
-          <a:p>
-            <a:r>
-              <a:rPr lang="fr-FR" dirty="0"/>
-              <a:t>Liste attente :</a:t>
-            </a:r>
-          </a:p>
-        </p:txBody>
-      </p:sp>
-      <p:sp>
-        <p:nvSpPr>
-          <p:cNvPr id="13" name="ZoneTexte 12">
-            <a:extLst>
-              <a:ext uri="{FF2B5EF4-FFF2-40B4-BE49-F238E27FC236}">
-                <a16:creationId xmlns:a16="http://schemas.microsoft.com/office/drawing/2014/main" id="{D773E960-8364-4DB9-9C24-7293FF62FB2C}"/>
-              </a:ext>
-            </a:extLst>
-          </p:cNvPr>
-          <p:cNvSpPr txBox="1"/>
-          <p:nvPr/>
-        </p:nvSpPr>
-        <p:spPr>
-          <a:xfrm>
-            <a:off x="2167128" y="1556670"/>
-            <a:ext cx="3346704" cy="369332"/>
-          </a:xfrm>
-          <a:prstGeom prst="rect">
-            <a:avLst/>
-          </a:prstGeom>
-          <a:noFill/>
-        </p:spPr>
-        <p:txBody>
-          <a:bodyPr wrap="square" rtlCol="0">
-            <a:spAutoFit/>
-          </a:bodyPr>
-          <a:lstStyle/>
-          <a:p>
-            <a:r>
-              <a:rPr lang="fr-FR" dirty="0"/>
-              <a:t>Historique place :</a:t>
-            </a:r>
+            <a:endParaRPr lang="fr-FR"/>
           </a:p>
         </p:txBody>
       </p:sp>
       <p:pic>
         <p:nvPicPr>
-          <p:cNvPr id="8" name="Espace réservé du contenu 7">
+          <p:cNvPr id="6" name="Content Placeholder 5">
             <a:extLst>
               <a:ext uri="{FF2B5EF4-FFF2-40B4-BE49-F238E27FC236}">
-                <a16:creationId xmlns:a16="http://schemas.microsoft.com/office/drawing/2014/main" id="{71BFA0EE-89B6-4F89-893A-64B6E9409822}"/>
+                <a16:creationId xmlns:a16="http://schemas.microsoft.com/office/drawing/2014/main" id="{2EA9EDE8-C8BC-42C5-8BC8-AF31AE27D288}"/>
               </a:ext>
             </a:extLst>
           </p:cNvPr>
@@ -18636,7 +19308,7 @@
             <a:picLocks noGrp="1" noChangeAspect="1"/>
           </p:cNvPicPr>
           <p:nvPr>
-            <p:ph idx="1"/>
+            <p:ph sz="half" idx="1"/>
           </p:nvPr>
         </p:nvPicPr>
         <p:blipFill>
@@ -18653,24 +19325,26 @@
         </p:blipFill>
         <p:spPr>
           <a:xfrm>
-            <a:off x="583592" y="523596"/>
-            <a:ext cx="6157913" cy="1025005"/>
+            <a:off x="1533393" y="328458"/>
+            <a:ext cx="4448766" cy="6201083"/>
           </a:xfrm>
         </p:spPr>
       </p:pic>
       <p:pic>
         <p:nvPicPr>
-          <p:cNvPr id="15" name="Image 14">
+          <p:cNvPr id="8" name="Content Placeholder 7">
             <a:extLst>
               <a:ext uri="{FF2B5EF4-FFF2-40B4-BE49-F238E27FC236}">
-                <a16:creationId xmlns:a16="http://schemas.microsoft.com/office/drawing/2014/main" id="{C7999278-6797-4815-8A1C-3712BCA73AA7}"/>
+                <a16:creationId xmlns:a16="http://schemas.microsoft.com/office/drawing/2014/main" id="{2AF5B527-8827-4510-8244-B54CCFEA705D}"/>
               </a:ext>
             </a:extLst>
           </p:cNvPr>
           <p:cNvPicPr>
-            <a:picLocks noChangeAspect="1"/>
+            <a:picLocks noGrp="1" noChangeAspect="1"/>
           </p:cNvPicPr>
-          <p:nvPr/>
+          <p:nvPr>
+            <p:ph sz="half" idx="2"/>
+          </p:nvPr>
         </p:nvPicPr>
         <p:blipFill>
           <a:blip r:embed="rId3">
@@ -18686,31 +19360,28 @@
         </p:blipFill>
         <p:spPr>
           <a:xfrm>
-            <a:off x="409856" y="2052129"/>
-            <a:ext cx="6331649" cy="1025005"/>
+            <a:off x="6263874" y="315619"/>
+            <a:ext cx="4448765" cy="6226760"/>
           </a:xfrm>
-          <a:prstGeom prst="rect">
-            <a:avLst/>
-          </a:prstGeom>
         </p:spPr>
       </p:pic>
     </p:spTree>
     <p:extLst>
       <p:ext uri="{BB962C8B-B14F-4D97-AF65-F5344CB8AC3E}">
-        <p14:creationId xmlns:p14="http://schemas.microsoft.com/office/powerpoint/2010/main" val="3535013962"/>
+        <p14:creationId xmlns:p14="http://schemas.microsoft.com/office/powerpoint/2010/main" val="1223881202"/>
       </p:ext>
     </p:extLst>
   </p:cSld>
   <p:clrMapOvr>
     <a:masterClrMapping/>
   </p:clrMapOvr>
-  <mc:AlternateContent xmlns:mc="http://schemas.openxmlformats.org/markup-compatibility/2006" xmlns:p15="http://schemas.microsoft.com/office/powerpoint/2012/main">
-    <mc:Choice Requires="p15">
-      <p:transition xmlns:p14="http://schemas.microsoft.com/office/powerpoint/2010/main" spd="slow" p14:dur="1250">
-        <p15:prstTrans prst="pageCurlDouble"/>
+  <mc:AlternateContent xmlns:mc="http://schemas.openxmlformats.org/markup-compatibility/2006">
+    <mc:Choice xmlns:p14="http://schemas.microsoft.com/office/powerpoint/2010/main" Requires="p14">
+      <p:transition spd="slow" p14:dur="1250">
+        <p14:switch dir="r"/>
       </p:transition>
     </mc:Choice>
-    <mc:Fallback xmlns="">
+    <mc:Fallback>
       <p:transition spd="slow">
         <p:fade/>
       </p:transition>
